--- a/4_documentation/Final Project Presentation - CS3354.pptx
+++ b/4_documentation/Final Project Presentation - CS3354.pptx
@@ -20,23 +20,31 @@
     <p:sldId id="265" r:id="rId15"/>
     <p:sldId id="266" r:id="rId16"/>
     <p:sldId id="267" r:id="rId17"/>
+    <p:sldId id="268" r:id="rId18"/>
   </p:sldIdLst>
   <p:sldSz cy="6858000" cx="9144000"/>
   <p:notesSz cx="6858000" cy="9144000"/>
   <p:embeddedFontLst>
     <p:embeddedFont>
       <p:font typeface="Raleway"/>
-      <p:regular r:id="rId18"/>
-      <p:bold r:id="rId19"/>
-      <p:italic r:id="rId20"/>
-      <p:boldItalic r:id="rId21"/>
+      <p:regular r:id="rId19"/>
+      <p:bold r:id="rId20"/>
+      <p:italic r:id="rId21"/>
+      <p:boldItalic r:id="rId22"/>
     </p:embeddedFont>
     <p:embeddedFont>
       <p:font typeface="Lato"/>
-      <p:regular r:id="rId22"/>
-      <p:bold r:id="rId23"/>
-      <p:italic r:id="rId24"/>
-      <p:boldItalic r:id="rId25"/>
+      <p:regular r:id="rId23"/>
+      <p:bold r:id="rId24"/>
+      <p:italic r:id="rId25"/>
+      <p:boldItalic r:id="rId26"/>
+    </p:embeddedFont>
+    <p:embeddedFont>
+      <p:font typeface="Roboto Mono"/>
+      <p:regular r:id="rId27"/>
+      <p:bold r:id="rId28"/>
+      <p:italic r:id="rId29"/>
+      <p:boldItalic r:id="rId30"/>
     </p:embeddedFont>
   </p:embeddedFontLst>
   <p:defaultTextStyle>
@@ -284,7 +292,7 @@
       </p15:sldGuideLst>
     </p:ext>
     <p:ext uri="GoogleSlidesCustomDataVersion2">
-      <go:slidesCustomData xmlns:go="http://customooxmlschemas.google.com/" r:id="rId26" roundtripDataSignature="AMtx7mhnnMVkURoJPh+dcv5cbmDNAE0q3g=="/>
+      <go:slidesCustomData xmlns:go="http://customooxmlschemas.google.com/" r:id="rId31" roundtripDataSignature="AMtx7mjkeAdyWj829DW2uKSrrKZXQ6xGcA=="/>
     </p:ext>
   </p:extLst>
 </p:presentation>
@@ -779,7 +787,7 @@
                   <a:schemeClr val="dk1"/>
                 </a:solidFill>
               </a:rPr>
-              <a:t>Speaker (Casey):</a:t>
+              <a:t>Speaker (ALL):</a:t>
             </a:r>
             <a:endParaRPr b="1">
               <a:solidFill>
@@ -1013,7 +1021,107 @@
       </p:grpSpPr>
       <p:sp>
         <p:nvSpPr>
-          <p:cNvPr id="149" name="Google Shape;149;p8:notes"/>
+          <p:cNvPr id="149" name="Google Shape;149;g3515ae30e2b_0_225:notes"/>
+          <p:cNvSpPr/>
+          <p:nvPr>
+            <p:ph idx="2" type="sldImg"/>
+          </p:nvPr>
+        </p:nvSpPr>
+        <p:spPr>
+          <a:xfrm>
+            <a:off x="1143225" y="685800"/>
+            <a:ext cx="4572300" cy="3429000"/>
+          </a:xfrm>
+          <a:custGeom>
+            <a:rect b="b" l="l" r="r" t="t"/>
+            <a:pathLst>
+              <a:path extrusionOk="0" h="120000" w="120000">
+                <a:moveTo>
+                  <a:pt x="0" y="0"/>
+                </a:moveTo>
+                <a:lnTo>
+                  <a:pt x="120000" y="0"/>
+                </a:lnTo>
+                <a:lnTo>
+                  <a:pt x="120000" y="120000"/>
+                </a:lnTo>
+                <a:lnTo>
+                  <a:pt x="0" y="120000"/>
+                </a:lnTo>
+                <a:close/>
+              </a:path>
+            </a:pathLst>
+          </a:custGeom>
+        </p:spPr>
+      </p:sp>
+      <p:sp>
+        <p:nvSpPr>
+          <p:cNvPr id="150" name="Google Shape;150;g3515ae30e2b_0_225:notes"/>
+          <p:cNvSpPr txBox="1"/>
+          <p:nvPr>
+            <p:ph idx="1" type="body"/>
+          </p:nvPr>
+        </p:nvSpPr>
+        <p:spPr>
+          <a:xfrm>
+            <a:off x="685800" y="4343400"/>
+            <a:ext cx="5486400" cy="4114800"/>
+          </a:xfrm>
+          <a:prstGeom prst="rect">
+            <a:avLst/>
+          </a:prstGeom>
+        </p:spPr>
+        <p:txBody>
+          <a:bodyPr anchorCtr="0" anchor="t" bIns="91425" lIns="91425" spcFirstLastPara="1" rIns="91425" wrap="square" tIns="91425">
+            <a:noAutofit/>
+          </a:bodyPr>
+          <a:lstStyle/>
+          <a:p>
+            <a:pPr indent="0" lvl="0" marL="0" rtl="0" algn="l">
+              <a:spcBef>
+                <a:spcPts val="0"/>
+              </a:spcBef>
+              <a:spcAft>
+                <a:spcPts val="0"/>
+              </a:spcAft>
+              <a:buNone/>
+            </a:pPr>
+            <a:r>
+              <a:rPr lang="en-US"/>
+              <a:t>Speaker : Andy </a:t>
+            </a:r>
+            <a:endParaRPr/>
+          </a:p>
+        </p:txBody>
+      </p:sp>
+    </p:spTree>
+  </p:cSld>
+  <p:clrMapOvr>
+    <a:masterClrMapping/>
+  </p:clrMapOvr>
+</p:notes>
+</file>
+
+<file path=ppt/notesSlides/notesSlide12.xml><?xml version="1.0" encoding="utf-8"?>
+<p:notes xmlns:a="http://schemas.openxmlformats.org/drawingml/2006/main" xmlns:r="http://schemas.openxmlformats.org/officeDocument/2006/relationships" xmlns:mc="http://schemas.openxmlformats.org/markup-compatibility/2006" xmlns:mv="urn:schemas-microsoft-com:mac:vml" xmlns:p="http://schemas.openxmlformats.org/presentationml/2006/main" xmlns:c="http://schemas.openxmlformats.org/drawingml/2006/chart" xmlns:dgm="http://schemas.openxmlformats.org/drawingml/2006/diagram" xmlns:o="urn:schemas-microsoft-com:office:office" xmlns:v="urn:schemas-microsoft-com:vml" xmlns:pvml="urn:schemas-microsoft-com:office:powerpoint" xmlns:com="http://schemas.openxmlformats.org/drawingml/2006/compatibility" xmlns:p14="http://schemas.microsoft.com/office/powerpoint/2010/main" xmlns:p15="http://schemas.microsoft.com/office/powerpoint/2012/main" xmlns:ahyp="http://schemas.microsoft.com/office/drawing/2018/hyperlinkcolor" showMasterPhAnim="0" showMasterSp="0">
+  <p:cSld>
+    <p:spTree>
+      <p:nvGrpSpPr>
+        <p:cNvPr id="154" name="Shape 154"/>
+        <p:cNvGrpSpPr/>
+        <p:nvPr/>
+      </p:nvGrpSpPr>
+      <p:grpSpPr>
+        <a:xfrm>
+          <a:off x="0" y="0"/>
+          <a:ext cx="0" cy="0"/>
+          <a:chOff x="0" y="0"/>
+          <a:chExt cx="0" cy="0"/>
+        </a:xfrm>
+      </p:grpSpPr>
+      <p:sp>
+        <p:nvSpPr>
+          <p:cNvPr id="155" name="Google Shape;155;p8:notes"/>
           <p:cNvSpPr txBox="1"/>
           <p:nvPr>
             <p:ph idx="1" type="body"/>
@@ -1092,7 +1200,7 @@
       </p:sp>
       <p:sp>
         <p:nvSpPr>
-          <p:cNvPr id="150" name="Google Shape;150;p8:notes"/>
+          <p:cNvPr id="156" name="Google Shape;156;p8:notes"/>
           <p:cNvSpPr/>
           <p:nvPr>
             <p:ph idx="2" type="sldImg"/>
@@ -1133,12 +1241,12 @@
 </p:notes>
 </file>
 
-<file path=ppt/notesSlides/notesSlide12.xml><?xml version="1.0" encoding="utf-8"?>
+<file path=ppt/notesSlides/notesSlide13.xml><?xml version="1.0" encoding="utf-8"?>
 <p:notes xmlns:a="http://schemas.openxmlformats.org/drawingml/2006/main" xmlns:r="http://schemas.openxmlformats.org/officeDocument/2006/relationships" xmlns:mc="http://schemas.openxmlformats.org/markup-compatibility/2006" xmlns:mv="urn:schemas-microsoft-com:mac:vml" xmlns:p="http://schemas.openxmlformats.org/presentationml/2006/main" xmlns:c="http://schemas.openxmlformats.org/drawingml/2006/chart" xmlns:dgm="http://schemas.openxmlformats.org/drawingml/2006/diagram" xmlns:o="urn:schemas-microsoft-com:office:office" xmlns:v="urn:schemas-microsoft-com:vml" xmlns:pvml="urn:schemas-microsoft-com:office:powerpoint" xmlns:com="http://schemas.openxmlformats.org/drawingml/2006/compatibility" xmlns:p14="http://schemas.microsoft.com/office/powerpoint/2010/main" xmlns:p15="http://schemas.microsoft.com/office/powerpoint/2012/main" xmlns:ahyp="http://schemas.microsoft.com/office/drawing/2018/hyperlinkcolor" showMasterPhAnim="0" showMasterSp="0">
   <p:cSld>
     <p:spTree>
       <p:nvGrpSpPr>
-        <p:cNvPr id="154" name="Shape 154"/>
+        <p:cNvPr id="160" name="Shape 160"/>
         <p:cNvGrpSpPr/>
         <p:nvPr/>
       </p:nvGrpSpPr>
@@ -1152,7 +1260,7 @@
       </p:grpSpPr>
       <p:sp>
         <p:nvSpPr>
-          <p:cNvPr id="155" name="Google Shape;155;p9:notes"/>
+          <p:cNvPr id="161" name="Google Shape;161;p9:notes"/>
           <p:cNvSpPr txBox="1"/>
           <p:nvPr>
             <p:ph idx="1" type="body"/>
@@ -1196,7 +1304,7 @@
                   <a:schemeClr val="dk1"/>
                 </a:solidFill>
               </a:rPr>
-              <a:t>Speaker (Casey):</a:t>
+              <a:t>Speaker (Andy):</a:t>
             </a:r>
             <a:endParaRPr b="1">
               <a:solidFill>
@@ -1231,7 +1339,7 @@
       </p:sp>
       <p:sp>
         <p:nvSpPr>
-          <p:cNvPr id="156" name="Google Shape;156;p9:notes"/>
+          <p:cNvPr id="162" name="Google Shape;162;p9:notes"/>
           <p:cNvSpPr/>
           <p:nvPr>
             <p:ph idx="2" type="sldImg"/>
@@ -1357,7 +1465,8 @@
               <a:buNone/>
             </a:pPr>
             <a:r>
-              <a:t/>
+              <a:rPr lang="en-US"/>
+              <a:t>Speaker (Casey) :</a:t>
             </a:r>
             <a:endParaRPr/>
           </a:p>
@@ -1453,10 +1562,20 @@
               <a:spcAft>
                 <a:spcPts val="0"/>
               </a:spcAft>
+              <a:buClr>
+                <a:schemeClr val="dk1"/>
+              </a:buClr>
+              <a:buSzPts val="1100"/>
+              <a:buFont typeface="Arial"/>
               <a:buNone/>
             </a:pPr>
             <a:r>
-              <a:t/>
+              <a:rPr lang="en-US">
+                <a:solidFill>
+                  <a:schemeClr val="dk1"/>
+                </a:solidFill>
+              </a:rPr>
+              <a:t>Speaker (Casey) :</a:t>
             </a:r>
             <a:endParaRPr/>
           </a:p>
@@ -1691,10 +1810,20 @@
               <a:spcAft>
                 <a:spcPts val="0"/>
               </a:spcAft>
+              <a:buClr>
+                <a:schemeClr val="dk1"/>
+              </a:buClr>
+              <a:buSzPts val="1100"/>
+              <a:buFont typeface="Arial"/>
               <a:buNone/>
             </a:pPr>
             <a:r>
-              <a:t/>
+              <a:rPr lang="en-US">
+                <a:solidFill>
+                  <a:schemeClr val="dk1"/>
+                </a:solidFill>
+              </a:rPr>
+              <a:t>Speaker (Casey) :</a:t>
             </a:r>
             <a:endParaRPr/>
           </a:p>
@@ -1748,7 +1877,7 @@
           </a:bodyPr>
           <a:lstStyle/>
           <a:p>
-            <a:pPr indent="0" lvl="0" marL="0" rtl="0" algn="l">
+            <a:pPr indent="0" lvl="0" marL="0" marR="381000" rtl="0" algn="l">
               <a:lnSpc>
                 <a:spcPct val="115000"/>
               </a:lnSpc>
@@ -1758,11 +1887,6 @@
               <a:spcAft>
                 <a:spcPts val="0"/>
               </a:spcAft>
-              <a:buClr>
-                <a:schemeClr val="dk1"/>
-              </a:buClr>
-              <a:buSzPts val="1100"/>
-              <a:buFont typeface="Arial"/>
               <a:buNone/>
             </a:pPr>
             <a:r>
@@ -1771,7 +1895,7 @@
                   <a:schemeClr val="dk1"/>
                 </a:solidFill>
               </a:rPr>
-              <a:t>Speaker (Casey):</a:t>
+              <a:t>Speaker (Kevin):</a:t>
             </a:r>
             <a:endParaRPr b="1">
               <a:solidFill>
@@ -1780,7 +1904,7 @@
             </a:endParaRPr>
           </a:p>
           <a:p>
-            <a:pPr indent="0" lvl="0" marL="381000" marR="381000" rtl="0" algn="l">
+            <a:pPr indent="0" lvl="0" marL="0" rtl="0" algn="l">
               <a:lnSpc>
                 <a:spcPct val="115000"/>
               </a:lnSpc>
@@ -1788,7 +1912,34 @@
                 <a:spcPts val="1200"/>
               </a:spcBef>
               <a:spcAft>
+                <a:spcPts val="0"/>
+              </a:spcAft>
+              <a:buNone/>
+            </a:pPr>
+            <a:r>
+              <a:rPr lang="en-US">
+                <a:solidFill>
+                  <a:schemeClr val="dk1"/>
+                </a:solidFill>
+              </a:rPr>
+              <a:t>"Let's quickly introduce the team and how we divided the work. Casey took the lead on project management, coordinated the frontend development, handled UI design aspects, and managed our documentation."</a:t>
+            </a:r>
+            <a:endParaRPr>
+              <a:solidFill>
+                <a:schemeClr val="dk1"/>
+              </a:solidFill>
+            </a:endParaRPr>
+          </a:p>
+          <a:p>
+            <a:pPr indent="0" lvl="0" marL="0" rtl="0" algn="l">
+              <a:lnSpc>
+                <a:spcPct val="115000"/>
+              </a:lnSpc>
+              <a:spcBef>
                 <a:spcPts val="1200"/>
+              </a:spcBef>
+              <a:spcAft>
+                <a:spcPts val="0"/>
               </a:spcAft>
               <a:buNone/>
             </a:pPr>
@@ -1798,9 +1949,40 @@
                   <a:schemeClr val="dk1"/>
                 </a:solidFill>
               </a:rPr>
-              <a:t>“We divided tasks so each of us could focus on our strengths. I handled overall coordination and the user-facing Flutter frontend. Kevin led the backend, database schema, and the AI matching engine. Andy built the UI screens and integrated them with our services.”</a:t>
-            </a:r>
-            <a:endParaRPr/>
+              <a:t>"I focused on the backend architecture, designing the database schema and developing the core AI matching logic."</a:t>
+            </a:r>
+            <a:endParaRPr>
+              <a:solidFill>
+                <a:schemeClr val="dk1"/>
+              </a:solidFill>
+            </a:endParaRPr>
+          </a:p>
+          <a:p>
+            <a:pPr indent="0" lvl="0" marL="0" rtl="0" algn="l">
+              <a:lnSpc>
+                <a:spcPct val="115000"/>
+              </a:lnSpc>
+              <a:spcBef>
+                <a:spcPts val="1200"/>
+              </a:spcBef>
+              <a:spcAft>
+                <a:spcPts val="1200"/>
+              </a:spcAft>
+              <a:buNone/>
+            </a:pPr>
+            <a:r>
+              <a:rPr lang="en-US">
+                <a:solidFill>
+                  <a:schemeClr val="dk1"/>
+                </a:solidFill>
+              </a:rPr>
+              <a:t>"Andy worked on implementing the frontend user interface based on the designs and integrating it with the backend services."</a:t>
+            </a:r>
+            <a:endParaRPr>
+              <a:solidFill>
+                <a:schemeClr val="dk1"/>
+              </a:solidFill>
+            </a:endParaRPr>
           </a:p>
         </p:txBody>
       </p:sp>
@@ -1910,7 +2092,7 @@
                   <a:schemeClr val="dk1"/>
                 </a:solidFill>
               </a:rPr>
-              <a:t>Speaker (Casey):</a:t>
+              <a:t>Speaker (Kevin):</a:t>
             </a:r>
             <a:endParaRPr b="1">
               <a:solidFill>
@@ -1919,7 +2101,7 @@
             </a:endParaRPr>
           </a:p>
           <a:p>
-            <a:pPr indent="0" lvl="0" marL="381000" marR="381000" rtl="0" algn="l">
+            <a:pPr indent="0" lvl="0" marL="0" rtl="0" algn="l">
               <a:lnSpc>
                 <a:spcPct val="115000"/>
               </a:lnSpc>
@@ -1927,7 +2109,66 @@
                 <a:spcPts val="1200"/>
               </a:spcBef>
               <a:spcAft>
+                <a:spcPts val="0"/>
+              </a:spcAft>
+              <a:buNone/>
+            </a:pPr>
+            <a:r>
+              <a:rPr lang="en-US">
+                <a:solidFill>
+                  <a:schemeClr val="dk1"/>
+                </a:solidFill>
+              </a:rPr>
+              <a:t>"To guide our project, we followed a structured roadmap. We started with the initial </a:t>
+            </a:r>
+            <a:r>
+              <a:rPr b="1" lang="en-US">
+                <a:solidFill>
+                  <a:schemeClr val="dk1"/>
+                </a:solidFill>
+              </a:rPr>
+              <a:t>Proposal</a:t>
+            </a:r>
+            <a:r>
+              <a:rPr lang="en-US">
+                <a:solidFill>
+                  <a:schemeClr val="dk1"/>
+                </a:solidFill>
+              </a:rPr>
+              <a:t> and gathering detailed </a:t>
+            </a:r>
+            <a:r>
+              <a:rPr b="1" lang="en-US">
+                <a:solidFill>
+                  <a:schemeClr val="dk1"/>
+                </a:solidFill>
+              </a:rPr>
+              <a:t>Requirements</a:t>
+            </a:r>
+            <a:r>
+              <a:rPr lang="en-US">
+                <a:solidFill>
+                  <a:schemeClr val="dk1"/>
+                </a:solidFill>
+              </a:rPr>
+              <a:t>."</a:t>
+            </a:r>
+            <a:endParaRPr>
+              <a:solidFill>
+                <a:schemeClr val="dk1"/>
+              </a:solidFill>
+            </a:endParaRPr>
+          </a:p>
+          <a:p>
+            <a:pPr indent="0" lvl="0" marL="0" rtl="0" algn="l">
+              <a:lnSpc>
+                <a:spcPct val="115000"/>
+              </a:lnSpc>
+              <a:spcBef>
                 <a:spcPts val="1200"/>
+              </a:spcBef>
+              <a:spcAft>
+                <a:spcPts val="0"/>
               </a:spcAft>
               <a:buNone/>
             </a:pPr>
@@ -1937,9 +2178,158 @@
                   <a:schemeClr val="dk1"/>
                 </a:solidFill>
               </a:rPr>
-              <a:t>“Our process followed a classic lifecycle: we started with proposals and requirements, then designed our domain model and classes. Next we implemented the frontend and backend in parallel, wrote tests and integrated everything, and finally polished for today’s demo.” [START DEMO]</a:t>
-            </a:r>
-            <a:endParaRPr/>
+              <a:t>"Next, we moved into the design phase, creating our </a:t>
+            </a:r>
+            <a:r>
+              <a:rPr b="1" lang="en-US">
+                <a:solidFill>
+                  <a:schemeClr val="dk1"/>
+                </a:solidFill>
+              </a:rPr>
+              <a:t>Domain and Class models</a:t>
+            </a:r>
+            <a:r>
+              <a:rPr lang="en-US">
+                <a:solidFill>
+                  <a:schemeClr val="dk1"/>
+                </a:solidFill>
+              </a:rPr>
+              <a:t> to map out the system's structure."</a:t>
+            </a:r>
+            <a:endParaRPr>
+              <a:solidFill>
+                <a:schemeClr val="dk1"/>
+              </a:solidFill>
+            </a:endParaRPr>
+          </a:p>
+          <a:p>
+            <a:pPr indent="0" lvl="0" marL="0" rtl="0" algn="l">
+              <a:lnSpc>
+                <a:spcPct val="115000"/>
+              </a:lnSpc>
+              <a:spcBef>
+                <a:spcPts val="1200"/>
+              </a:spcBef>
+              <a:spcAft>
+                <a:spcPts val="0"/>
+              </a:spcAft>
+              <a:buNone/>
+            </a:pPr>
+            <a:r>
+              <a:rPr lang="en-US">
+                <a:solidFill>
+                  <a:schemeClr val="dk1"/>
+                </a:solidFill>
+              </a:rPr>
+              <a:t>"Then came the core </a:t>
+            </a:r>
+            <a:r>
+              <a:rPr b="1" lang="en-US">
+                <a:solidFill>
+                  <a:schemeClr val="dk1"/>
+                </a:solidFill>
+              </a:rPr>
+              <a:t>Implementation</a:t>
+            </a:r>
+            <a:r>
+              <a:rPr lang="en-US">
+                <a:solidFill>
+                  <a:schemeClr val="dk1"/>
+                </a:solidFill>
+              </a:rPr>
+              <a:t> phase, where we built the frontend and backend components concurrently."</a:t>
+            </a:r>
+            <a:endParaRPr>
+              <a:solidFill>
+                <a:schemeClr val="dk1"/>
+              </a:solidFill>
+            </a:endParaRPr>
+          </a:p>
+          <a:p>
+            <a:pPr indent="0" lvl="0" marL="0" rtl="0" algn="l">
+              <a:lnSpc>
+                <a:spcPct val="115000"/>
+              </a:lnSpc>
+              <a:spcBef>
+                <a:spcPts val="1200"/>
+              </a:spcBef>
+              <a:spcAft>
+                <a:spcPts val="0"/>
+              </a:spcAft>
+              <a:buNone/>
+            </a:pPr>
+            <a:r>
+              <a:rPr lang="en-US">
+                <a:solidFill>
+                  <a:schemeClr val="dk1"/>
+                </a:solidFill>
+              </a:rPr>
+              <a:t>"After development, we focused on </a:t>
+            </a:r>
+            <a:r>
+              <a:rPr b="1" lang="en-US">
+                <a:solidFill>
+                  <a:schemeClr val="dk1"/>
+                </a:solidFill>
+              </a:rPr>
+              <a:t>Testing and Integration</a:t>
+            </a:r>
+            <a:r>
+              <a:rPr lang="en-US">
+                <a:solidFill>
+                  <a:schemeClr val="dk1"/>
+                </a:solidFill>
+              </a:rPr>
+              <a:t> to ensure all the pieces worked together correctly."</a:t>
+            </a:r>
+            <a:endParaRPr>
+              <a:solidFill>
+                <a:schemeClr val="dk1"/>
+              </a:solidFill>
+            </a:endParaRPr>
+          </a:p>
+          <a:p>
+            <a:pPr indent="0" lvl="0" marL="0" rtl="0" algn="l">
+              <a:lnSpc>
+                <a:spcPct val="115000"/>
+              </a:lnSpc>
+              <a:spcBef>
+                <a:spcPts val="1200"/>
+              </a:spcBef>
+              <a:spcAft>
+                <a:spcPts val="1200"/>
+              </a:spcAft>
+              <a:buNone/>
+            </a:pPr>
+            <a:r>
+              <a:rPr lang="en-US">
+                <a:solidFill>
+                  <a:schemeClr val="dk1"/>
+                </a:solidFill>
+              </a:rPr>
+              <a:t>"Finally, we prepared for this </a:t>
+            </a:r>
+            <a:r>
+              <a:rPr b="1" lang="en-US">
+                <a:solidFill>
+                  <a:schemeClr val="dk1"/>
+                </a:solidFill>
+              </a:rPr>
+              <a:t>Demo</a:t>
+            </a:r>
+            <a:r>
+              <a:rPr lang="en-US">
+                <a:solidFill>
+                  <a:schemeClr val="dk1"/>
+                </a:solidFill>
+              </a:rPr>
+              <a:t> and made final refinements to the platform." [START DEMO]</a:t>
+            </a:r>
+            <a:endParaRPr>
+              <a:solidFill>
+                <a:schemeClr val="dk1"/>
+              </a:solidFill>
+            </a:endParaRPr>
           </a:p>
         </p:txBody>
       </p:sp>
@@ -2058,7 +2448,7 @@
             </a:endParaRPr>
           </a:p>
           <a:p>
-            <a:pPr indent="0" lvl="0" marL="381000" marR="381000" rtl="0" algn="l">
+            <a:pPr indent="0" lvl="0" marL="0" rtl="0" algn="l">
               <a:lnSpc>
                 <a:spcPct val="115000"/>
               </a:lnSpc>
@@ -2066,7 +2456,66 @@
                 <a:spcPts val="1200"/>
               </a:spcBef>
               <a:spcAft>
+                <a:spcPts val="0"/>
+              </a:spcAft>
+              <a:buNone/>
+            </a:pPr>
+            <a:r>
+              <a:rPr lang="en-US">
+                <a:solidFill>
+                  <a:schemeClr val="dk1"/>
+                </a:solidFill>
+              </a:rPr>
+              <a:t>"Let's get into the core features. The first is the ability for victims to </a:t>
+            </a:r>
+            <a:r>
+              <a:rPr b="1" lang="en-US">
+                <a:solidFill>
+                  <a:schemeClr val="dk1"/>
+                </a:solidFill>
+              </a:rPr>
+              <a:t>Request Help</a:t>
+            </a:r>
+            <a:r>
+              <a:rPr lang="en-US">
+                <a:solidFill>
+                  <a:schemeClr val="dk1"/>
+                </a:solidFill>
+              </a:rPr>
+              <a:t>. Users can specify the type of assistance needed, such as </a:t>
+            </a:r>
+            <a:r>
+              <a:rPr b="1" lang="en-US">
+                <a:solidFill>
+                  <a:schemeClr val="dk1"/>
+                </a:solidFill>
+              </a:rPr>
+              <a:t>medical aid, food, or shelter</a:t>
+            </a:r>
+            <a:r>
+              <a:rPr lang="en-US">
+                <a:solidFill>
+                  <a:schemeClr val="dk1"/>
+                </a:solidFill>
+              </a:rPr>
+              <a:t>."</a:t>
+            </a:r>
+            <a:endParaRPr>
+              <a:solidFill>
+                <a:schemeClr val="dk1"/>
+              </a:solidFill>
+            </a:endParaRPr>
+          </a:p>
+          <a:p>
+            <a:pPr indent="0" lvl="0" marL="0" rtl="0" algn="l">
+              <a:lnSpc>
+                <a:spcPct val="115000"/>
+              </a:lnSpc>
+              <a:spcBef>
                 <a:spcPts val="1200"/>
+              </a:spcBef>
+              <a:spcAft>
+                <a:spcPts val="0"/>
               </a:spcAft>
               <a:buNone/>
             </a:pPr>
@@ -2076,9 +2525,88 @@
                   <a:schemeClr val="dk1"/>
                 </a:solidFill>
               </a:rPr>
-              <a:t>“We implemented secure sign-up and sign-in with Firebase Auth. Each user has a role—Victim, Volunteer, Admin—that governs what they can do. For donations, we redirect to Stripe’s hosted checkout; on success, a webhook creates a Donation record. This ensures PCI compliance and data privacy.”</a:t>
-            </a:r>
-            <a:endParaRPr/>
+              <a:t>"The app uses a </a:t>
+            </a:r>
+            <a:r>
+              <a:rPr b="1" lang="en-US">
+                <a:solidFill>
+                  <a:schemeClr val="dk1"/>
+                </a:solidFill>
+              </a:rPr>
+              <a:t>Geo-Locator</a:t>
+            </a:r>
+            <a:r>
+              <a:rPr lang="en-US">
+                <a:solidFill>
+                  <a:schemeClr val="dk1"/>
+                </a:solidFill>
+              </a:rPr>
+              <a:t> to automatically pinpoint the victim's exact location, ensuring help is directed precisely where it's needed."</a:t>
+            </a:r>
+            <a:endParaRPr>
+              <a:solidFill>
+                <a:schemeClr val="dk1"/>
+              </a:solidFill>
+            </a:endParaRPr>
+          </a:p>
+          <a:p>
+            <a:pPr indent="0" lvl="0" marL="0" rtl="0" algn="l">
+              <a:lnSpc>
+                <a:spcPct val="115000"/>
+              </a:lnSpc>
+              <a:spcBef>
+                <a:spcPts val="1200"/>
+              </a:spcBef>
+              <a:spcAft>
+                <a:spcPts val="1200"/>
+              </a:spcAft>
+              <a:buNone/>
+            </a:pPr>
+            <a:r>
+              <a:rPr lang="en-US">
+                <a:solidFill>
+                  <a:schemeClr val="dk1"/>
+                </a:solidFill>
+              </a:rPr>
+              <a:t>"To visualize the situation, we provide a </a:t>
+            </a:r>
+            <a:r>
+              <a:rPr b="1" lang="en-US">
+                <a:solidFill>
+                  <a:schemeClr val="dk1"/>
+                </a:solidFill>
+              </a:rPr>
+              <a:t>Map view</a:t>
+            </a:r>
+            <a:r>
+              <a:rPr lang="en-US">
+                <a:solidFill>
+                  <a:schemeClr val="dk1"/>
+                </a:solidFill>
+              </a:rPr>
+              <a:t> showing all active help requests in their specific locations. Alongside the map, there's also a </a:t>
+            </a:r>
+            <a:r>
+              <a:rPr b="1" lang="en-US">
+                <a:solidFill>
+                  <a:schemeClr val="dk1"/>
+                </a:solidFill>
+              </a:rPr>
+              <a:t>List view</a:t>
+            </a:r>
+            <a:r>
+              <a:rPr lang="en-US">
+                <a:solidFill>
+                  <a:schemeClr val="dk1"/>
+                </a:solidFill>
+              </a:rPr>
+              <a:t> of these requests for easy reference."</a:t>
+            </a:r>
+            <a:endParaRPr>
+              <a:solidFill>
+                <a:schemeClr val="dk1"/>
+              </a:solidFill>
+            </a:endParaRPr>
           </a:p>
         </p:txBody>
       </p:sp>
@@ -2197,7 +2725,7 @@
             </a:endParaRPr>
           </a:p>
           <a:p>
-            <a:pPr indent="0" lvl="0" marL="381000" marR="381000" rtl="0" algn="l">
+            <a:pPr indent="0" lvl="0" marL="0" rtl="0" algn="l">
               <a:lnSpc>
                 <a:spcPct val="115000"/>
               </a:lnSpc>
@@ -2205,7 +2733,50 @@
                 <a:spcPts val="1200"/>
               </a:spcBef>
               <a:spcAft>
+                <a:spcPts val="0"/>
+              </a:spcAft>
+              <a:buNone/>
+            </a:pPr>
+            <a:r>
+              <a:rPr lang="en-US">
+                <a:solidFill>
+                  <a:schemeClr val="dk1"/>
+                </a:solidFill>
+              </a:rPr>
+              <a:t>"Once a help request is submitted, the system automatically matches the victim's request to the </a:t>
+            </a:r>
+            <a:r>
+              <a:rPr b="1" lang="en-US">
+                <a:solidFill>
+                  <a:schemeClr val="dk1"/>
+                </a:solidFill>
+              </a:rPr>
+              <a:t>nearest available volunteer</a:t>
+            </a:r>
+            <a:r>
+              <a:rPr lang="en-US">
+                <a:solidFill>
+                  <a:schemeClr val="dk1"/>
+                </a:solidFill>
+              </a:rPr>
+              <a:t>. This happens behind the scenes using a backend process."</a:t>
+            </a:r>
+            <a:endParaRPr>
+              <a:solidFill>
+                <a:schemeClr val="dk1"/>
+              </a:solidFill>
+            </a:endParaRPr>
+          </a:p>
+          <a:p>
+            <a:pPr indent="0" lvl="0" marL="0" rtl="0" algn="l">
+              <a:lnSpc>
+                <a:spcPct val="115000"/>
+              </a:lnSpc>
+              <a:spcBef>
                 <a:spcPts val="1200"/>
+              </a:spcBef>
+              <a:spcAft>
+                <a:spcPts val="0"/>
               </a:spcAft>
               <a:buNone/>
             </a:pPr>
@@ -2215,9 +2786,167 @@
                   <a:schemeClr val="dk1"/>
                 </a:solidFill>
               </a:rPr>
-              <a:t>“Our AI matching service listens for new help requests, retrieves volunteer locations, then uses a K-Nearest Neighbors algorithm to pick the closest one. Once matched, the request document is updated and the volunteer sees it instantly. Let me show you how a request appears and gets assigned in real time.”</a:t>
-            </a:r>
-            <a:endParaRPr/>
+              <a:t>"Technically, this is handled by a </a:t>
+            </a:r>
+            <a:r>
+              <a:rPr b="1" lang="en-US">
+                <a:solidFill>
+                  <a:schemeClr val="dk1"/>
+                </a:solidFill>
+              </a:rPr>
+              <a:t>FastAPI endpoint</a:t>
+            </a:r>
+            <a:r>
+              <a:rPr lang="en-US">
+                <a:solidFill>
+                  <a:schemeClr val="dk1"/>
+                </a:solidFill>
+              </a:rPr>
+              <a:t>. When a request comes in, this endpoint triggers our matching logic."</a:t>
+            </a:r>
+            <a:endParaRPr>
+              <a:solidFill>
+                <a:schemeClr val="dk1"/>
+              </a:solidFill>
+            </a:endParaRPr>
+          </a:p>
+          <a:p>
+            <a:pPr indent="0" lvl="0" marL="0" rtl="0" algn="l">
+              <a:lnSpc>
+                <a:spcPct val="115000"/>
+              </a:lnSpc>
+              <a:spcBef>
+                <a:spcPts val="1200"/>
+              </a:spcBef>
+              <a:spcAft>
+                <a:spcPts val="0"/>
+              </a:spcAft>
+              <a:buNone/>
+            </a:pPr>
+            <a:r>
+              <a:rPr lang="en-US">
+                <a:solidFill>
+                  <a:schemeClr val="dk1"/>
+                </a:solidFill>
+              </a:rPr>
+              <a:t>"We use a </a:t>
+            </a:r>
+            <a:r>
+              <a:rPr b="1" lang="en-US">
+                <a:solidFill>
+                  <a:schemeClr val="dk1"/>
+                </a:solidFill>
+              </a:rPr>
+              <a:t>K-Nearest Neighbors (KNN) algorithm</a:t>
+            </a:r>
+            <a:r>
+              <a:rPr lang="en-US">
+                <a:solidFill>
+                  <a:schemeClr val="dk1"/>
+                </a:solidFill>
+              </a:rPr>
+              <a:t>, which considers the </a:t>
+            </a:r>
+            <a:r>
+              <a:rPr b="1" lang="en-US">
+                <a:solidFill>
+                  <a:schemeClr val="dk1"/>
+                </a:solidFill>
+              </a:rPr>
+              <a:t>geolocation</a:t>
+            </a:r>
+            <a:r>
+              <a:rPr lang="en-US">
+                <a:solidFill>
+                  <a:schemeClr val="dk1"/>
+                </a:solidFill>
+              </a:rPr>
+              <a:t> (latitude and longitude) of the victim and volunteers, as well as the </a:t>
+            </a:r>
+            <a:r>
+              <a:rPr b="1" lang="en-US">
+                <a:solidFill>
+                  <a:schemeClr val="dk1"/>
+                </a:solidFill>
+              </a:rPr>
+              <a:t>type of request</a:t>
+            </a:r>
+            <a:r>
+              <a:rPr lang="en-US">
+                <a:solidFill>
+                  <a:schemeClr val="dk1"/>
+                </a:solidFill>
+              </a:rPr>
+              <a:t>, to find the best match."</a:t>
+            </a:r>
+            <a:endParaRPr>
+              <a:solidFill>
+                <a:schemeClr val="dk1"/>
+              </a:solidFill>
+            </a:endParaRPr>
+          </a:p>
+          <a:p>
+            <a:pPr indent="0" lvl="0" marL="0" rtl="0" algn="l">
+              <a:lnSpc>
+                <a:spcPct val="115000"/>
+              </a:lnSpc>
+              <a:spcBef>
+                <a:spcPts val="1200"/>
+              </a:spcBef>
+              <a:spcAft>
+                <a:spcPts val="1200"/>
+              </a:spcAft>
+              <a:buNone/>
+            </a:pPr>
+            <a:r>
+              <a:rPr lang="en-US">
+                <a:solidFill>
+                  <a:schemeClr val="dk1"/>
+                </a:solidFill>
+              </a:rPr>
+              <a:t>"Once a match is found, the system updates the request record in our </a:t>
+            </a:r>
+            <a:r>
+              <a:rPr b="1" lang="en-US">
+                <a:solidFill>
+                  <a:schemeClr val="dk1"/>
+                </a:solidFill>
+              </a:rPr>
+              <a:t>Firestore database</a:t>
+            </a:r>
+            <a:r>
+              <a:rPr lang="en-US">
+                <a:solidFill>
+                  <a:schemeClr val="dk1"/>
+                </a:solidFill>
+              </a:rPr>
+              <a:t>, assigning the volunteer to that specific request by updating the </a:t>
+            </a:r>
+            <a:r>
+              <a:rPr lang="en-US">
+                <a:solidFill>
+                  <a:srgbClr val="188038"/>
+                </a:solidFill>
+                <a:latin typeface="Roboto Mono"/>
+                <a:ea typeface="Roboto Mono"/>
+                <a:cs typeface="Roboto Mono"/>
+                <a:sym typeface="Roboto Mono"/>
+              </a:rPr>
+              <a:t>assignedVolunteerId</a:t>
+            </a:r>
+            <a:r>
+              <a:rPr lang="en-US">
+                <a:solidFill>
+                  <a:schemeClr val="dk1"/>
+                </a:solidFill>
+              </a:rPr>
+              <a:t> field. This notifies the volunteer and tracks the assignment."</a:t>
+            </a:r>
+            <a:endParaRPr>
+              <a:solidFill>
+                <a:schemeClr val="dk1"/>
+              </a:solidFill>
+            </a:endParaRPr>
           </a:p>
         </p:txBody>
       </p:sp>
@@ -9258,7 +9987,7 @@
         </p:nvSpPr>
         <p:spPr>
           <a:xfrm>
-            <a:off x="729450" y="1763267"/>
+            <a:off x="727950" y="1750917"/>
             <a:ext cx="7688100" cy="2219700"/>
           </a:xfrm>
           <a:prstGeom prst="rect">
@@ -9387,7 +10116,7 @@
                 <a:cs typeface="Comic Sans MS"/>
                 <a:sym typeface="Comic Sans MS"/>
               </a:rPr>
-              <a:t>Team #2: Casey Nguyen, Kevin Pulikkottil, Andy Jih</a:t>
+              <a:t>Team 2: Casey Nguyen, Kevin Pulikkottil, Andy Jih</a:t>
             </a:r>
             <a:endParaRPr sz="3000">
               <a:latin typeface="Comic Sans MS"/>
@@ -9637,7 +10366,7 @@
                 <a:cs typeface="Comic Sans MS"/>
                 <a:sym typeface="Comic Sans MS"/>
               </a:rPr>
-              <a:t>Admin posts alerts → real-time Firestore updates</a:t>
+              <a:t>Admin posts alerts, which posts real-time Firestore updates</a:t>
             </a:r>
             <a:endParaRPr sz="3000">
               <a:solidFill>
@@ -9674,7 +10403,7 @@
                 <a:cs typeface="Comic Sans MS"/>
                 <a:sym typeface="Comic Sans MS"/>
               </a:rPr>
-              <a:t>Flutter UI with real-time subscriptions</a:t>
+              <a:t>Real-time Flutter UI updates instantly through real-time Firestore subscriptions without page refresh</a:t>
             </a:r>
             <a:endParaRPr sz="3000">
               <a:solidFill>
@@ -9715,7 +10444,7 @@
       </p:grpSpPr>
       <p:sp>
         <p:nvSpPr>
-          <p:cNvPr id="152" name="Google Shape;152;p8"/>
+          <p:cNvPr id="152" name="Google Shape;152;g3515ae30e2b_0_225"/>
           <p:cNvSpPr txBox="1"/>
           <p:nvPr>
             <p:ph type="title"/>
@@ -9723,20 +10452,16 @@
         </p:nvSpPr>
         <p:spPr>
           <a:xfrm>
-            <a:off x="457200" y="274638"/>
+            <a:off x="457200" y="484713"/>
             <a:ext cx="8229600" cy="1143000"/>
           </a:xfrm>
           <a:prstGeom prst="rect">
             <a:avLst/>
           </a:prstGeom>
-          <a:noFill/>
-          <a:ln>
-            <a:noFill/>
-          </a:ln>
         </p:spPr>
         <p:txBody>
           <a:bodyPr anchorCtr="0" anchor="ctr" bIns="45700" lIns="91425" spcFirstLastPara="1" rIns="91425" wrap="square" tIns="45700">
-            <a:normAutofit/>
+            <a:noAutofit/>
           </a:bodyPr>
           <a:lstStyle/>
           <a:p>
@@ -9747,29 +10472,18 @@
               <a:spcAft>
                 <a:spcPts val="0"/>
               </a:spcAft>
-              <a:buClr>
-                <a:schemeClr val="dk1"/>
-              </a:buClr>
-              <a:buSzPts val="4400"/>
-              <a:buFont typeface="Calibri"/>
               <a:buNone/>
             </a:pPr>
             <a:r>
               <a:rPr lang="en-US" sz="4400">
-                <a:solidFill>
-                  <a:srgbClr val="000000"/>
-                </a:solidFill>
                 <a:latin typeface="Comic Sans MS"/>
                 <a:ea typeface="Comic Sans MS"/>
                 <a:cs typeface="Comic Sans MS"/>
                 <a:sym typeface="Comic Sans MS"/>
               </a:rPr>
-              <a:t>System Architecture</a:t>
-            </a:r>
-            <a:endParaRPr>
-              <a:solidFill>
-                <a:srgbClr val="000000"/>
-              </a:solidFill>
+              <a:t>Key Feature 4 - Donation System</a:t>
+            </a:r>
+            <a:endParaRPr sz="4400">
               <a:latin typeface="Comic Sans MS"/>
               <a:ea typeface="Comic Sans MS"/>
               <a:cs typeface="Comic Sans MS"/>
@@ -9780,7 +10494,7 @@
       </p:sp>
       <p:sp>
         <p:nvSpPr>
-          <p:cNvPr id="153" name="Google Shape;153;p8"/>
+          <p:cNvPr id="153" name="Google Shape;153;g3515ae30e2b_0_225"/>
           <p:cNvSpPr txBox="1"/>
           <p:nvPr>
             <p:ph idx="1" type="body"/>
@@ -9788,16 +10502,12 @@
         </p:nvSpPr>
         <p:spPr>
           <a:xfrm>
-            <a:off x="457200" y="1600200"/>
-            <a:ext cx="8229600" cy="4525963"/>
+            <a:off x="457200" y="1983250"/>
+            <a:ext cx="8229600" cy="4526100"/>
           </a:xfrm>
           <a:prstGeom prst="rect">
             <a:avLst/>
           </a:prstGeom>
-          <a:noFill/>
-          <a:ln>
-            <a:noFill/>
-          </a:ln>
         </p:spPr>
         <p:txBody>
           <a:bodyPr anchorCtr="0" anchor="t" bIns="45700" lIns="91425" spcFirstLastPara="1" rIns="91425" wrap="square" tIns="45700">
@@ -9805,38 +10515,15 @@
           </a:bodyPr>
           <a:lstStyle/>
           <a:p>
-            <a:pPr indent="-139700" lvl="0" marL="342900" rtl="0" algn="l">
-              <a:spcBef>
-                <a:spcPts val="0"/>
+            <a:pPr indent="-419100" lvl="0" marL="457200" rtl="0" algn="l">
+              <a:spcBef>
+                <a:spcPts val="360"/>
               </a:spcBef>
               <a:spcAft>
                 <a:spcPts val="0"/>
               </a:spcAft>
               <a:buClr>
-                <a:schemeClr val="dk1"/>
-              </a:buClr>
-              <a:buSzPts val="3200"/>
-              <a:buNone/>
-            </a:pPr>
-            <a:r>
-              <a:t/>
-            </a:r>
-            <a:endParaRPr>
-              <a:solidFill>
-                <a:srgbClr val="000000"/>
-              </a:solidFill>
-            </a:endParaRPr>
-          </a:p>
-          <a:p>
-            <a:pPr indent="-330200" lvl="0" marL="342900" rtl="0" algn="l">
-              <a:spcBef>
-                <a:spcPts val="640"/>
-              </a:spcBef>
-              <a:spcAft>
-                <a:spcPts val="0"/>
-              </a:spcAft>
-              <a:buClr>
-                <a:srgbClr val="000000"/>
+                <a:schemeClr val="dk2"/>
               </a:buClr>
               <a:buSzPts val="3000"/>
               <a:buFont typeface="Comic Sans MS"/>
@@ -9845,18 +10532,18 @@
             <a:r>
               <a:rPr lang="en-US" sz="3000">
                 <a:solidFill>
-                  <a:srgbClr val="000000"/>
+                  <a:schemeClr val="dk2"/>
                 </a:solidFill>
                 <a:latin typeface="Comic Sans MS"/>
                 <a:ea typeface="Comic Sans MS"/>
                 <a:cs typeface="Comic Sans MS"/>
                 <a:sym typeface="Comic Sans MS"/>
               </a:rPr>
-              <a:t>Frontend: Flutter web/mobile</a:t>
+              <a:t>Users can donate either money or resources </a:t>
             </a:r>
             <a:endParaRPr sz="3000">
               <a:solidFill>
-                <a:srgbClr val="000000"/>
+                <a:schemeClr val="dk2"/>
               </a:solidFill>
               <a:latin typeface="Comic Sans MS"/>
               <a:ea typeface="Comic Sans MS"/>
@@ -9865,15 +10552,15 @@
             </a:endParaRPr>
           </a:p>
           <a:p>
-            <a:pPr indent="-330200" lvl="0" marL="342900" rtl="0" algn="l">
-              <a:spcBef>
-                <a:spcPts val="640"/>
+            <a:pPr indent="-419100" lvl="0" marL="457200" rtl="0" algn="l">
+              <a:spcBef>
+                <a:spcPts val="0"/>
               </a:spcBef>
               <a:spcAft>
                 <a:spcPts val="0"/>
               </a:spcAft>
               <a:buClr>
-                <a:srgbClr val="000000"/>
+                <a:schemeClr val="dk2"/>
               </a:buClr>
               <a:buSzPts val="3000"/>
               <a:buFont typeface="Comic Sans MS"/>
@@ -9882,18 +10569,18 @@
             <a:r>
               <a:rPr lang="en-US" sz="3000">
                 <a:solidFill>
-                  <a:srgbClr val="000000"/>
+                  <a:schemeClr val="dk2"/>
                 </a:solidFill>
                 <a:latin typeface="Comic Sans MS"/>
                 <a:ea typeface="Comic Sans MS"/>
                 <a:cs typeface="Comic Sans MS"/>
                 <a:sym typeface="Comic Sans MS"/>
               </a:rPr>
-              <a:t>Backend: FastAPI + Firebase</a:t>
+              <a:t>Stripe Integration	</a:t>
             </a:r>
             <a:endParaRPr sz="3000">
               <a:solidFill>
-                <a:srgbClr val="000000"/>
+                <a:schemeClr val="dk2"/>
               </a:solidFill>
               <a:latin typeface="Comic Sans MS"/>
               <a:ea typeface="Comic Sans MS"/>
@@ -9902,35 +10589,35 @@
             </a:endParaRPr>
           </a:p>
           <a:p>
-            <a:pPr indent="-330200" lvl="0" marL="342900" rtl="0" algn="l">
-              <a:spcBef>
-                <a:spcPts val="640"/>
+            <a:pPr indent="-419100" lvl="1" marL="914400" rtl="0" algn="l">
+              <a:spcBef>
+                <a:spcPts val="0"/>
               </a:spcBef>
               <a:spcAft>
                 <a:spcPts val="0"/>
               </a:spcAft>
               <a:buClr>
-                <a:srgbClr val="000000"/>
+                <a:schemeClr val="dk2"/>
               </a:buClr>
               <a:buSzPts val="3000"/>
               <a:buFont typeface="Comic Sans MS"/>
-              <a:buChar char="●"/>
+              <a:buChar char="○"/>
             </a:pPr>
             <a:r>
               <a:rPr lang="en-US" sz="3000">
                 <a:solidFill>
-                  <a:srgbClr val="000000"/>
+                  <a:schemeClr val="dk2"/>
                 </a:solidFill>
                 <a:latin typeface="Comic Sans MS"/>
                 <a:ea typeface="Comic Sans MS"/>
                 <a:cs typeface="Comic Sans MS"/>
                 <a:sym typeface="Comic Sans MS"/>
               </a:rPr>
-              <a:t>Database: Firestore (NoSQL)</a:t>
+              <a:t>Secure payment processing using stripe checkout</a:t>
             </a:r>
             <a:endParaRPr sz="3000">
               <a:solidFill>
-                <a:srgbClr val="000000"/>
+                <a:schemeClr val="dk2"/>
               </a:solidFill>
               <a:latin typeface="Comic Sans MS"/>
               <a:ea typeface="Comic Sans MS"/>
@@ -9939,72 +10626,47 @@
             </a:endParaRPr>
           </a:p>
           <a:p>
-            <a:pPr indent="-330200" lvl="0" marL="342900" rtl="0" algn="l">
-              <a:spcBef>
-                <a:spcPts val="640"/>
+            <a:pPr indent="-419100" lvl="1" marL="914400" rtl="0" algn="l">
+              <a:spcBef>
+                <a:spcPts val="0"/>
               </a:spcBef>
               <a:spcAft>
                 <a:spcPts val="0"/>
               </a:spcAft>
               <a:buClr>
-                <a:srgbClr val="000000"/>
+                <a:schemeClr val="dk2"/>
               </a:buClr>
               <a:buSzPts val="3000"/>
               <a:buFont typeface="Comic Sans MS"/>
-              <a:buChar char="●"/>
+              <a:buChar char="○"/>
             </a:pPr>
             <a:r>
               <a:rPr lang="en-US" sz="3000">
                 <a:solidFill>
-                  <a:srgbClr val="000000"/>
+                  <a:schemeClr val="dk2"/>
                 </a:solidFill>
                 <a:latin typeface="Comic Sans MS"/>
                 <a:ea typeface="Comic Sans MS"/>
                 <a:cs typeface="Comic Sans MS"/>
                 <a:sym typeface="Comic Sans MS"/>
               </a:rPr>
-              <a:t>AI Module: matching_ai.py (GeoPy + scikit-learn)</a:t>
-            </a:r>
-            <a:endParaRPr sz="3000">
-              <a:solidFill>
-                <a:srgbClr val="000000"/>
-              </a:solidFill>
-              <a:latin typeface="Comic Sans MS"/>
-              <a:ea typeface="Comic Sans MS"/>
-              <a:cs typeface="Comic Sans MS"/>
-              <a:sym typeface="Comic Sans MS"/>
-            </a:endParaRPr>
-          </a:p>
-          <a:p>
-            <a:pPr indent="-330200" lvl="0" marL="342900" rtl="0" algn="l">
-              <a:spcBef>
-                <a:spcPts val="640"/>
-              </a:spcBef>
-              <a:spcAft>
-                <a:spcPts val="1200"/>
-              </a:spcAft>
-              <a:buClr>
-                <a:srgbClr val="000000"/>
-              </a:buClr>
-              <a:buSzPts val="3000"/>
-              <a:buFont typeface="Comic Sans MS"/>
-              <a:buChar char="●"/>
-            </a:pPr>
+              <a:t>Stripe handles payment </a:t>
+            </a:r>
             <a:r>
               <a:rPr lang="en-US" sz="3000">
                 <a:solidFill>
-                  <a:srgbClr val="000000"/>
+                  <a:schemeClr val="dk2"/>
                 </a:solidFill>
                 <a:latin typeface="Comic Sans MS"/>
                 <a:ea typeface="Comic Sans MS"/>
                 <a:cs typeface="Comic Sans MS"/>
                 <a:sym typeface="Comic Sans MS"/>
               </a:rPr>
-              <a:t>Third-Party: Stripe, Google Maps API</a:t>
+              <a:t>authentication, reducing security risks for our backend</a:t>
             </a:r>
             <a:endParaRPr sz="3000">
               <a:solidFill>
-                <a:srgbClr val="000000"/>
+                <a:schemeClr val="dk2"/>
               </a:solidFill>
               <a:latin typeface="Comic Sans MS"/>
               <a:ea typeface="Comic Sans MS"/>
@@ -10041,7 +10703,7 @@
       </p:grpSpPr>
       <p:sp>
         <p:nvSpPr>
-          <p:cNvPr id="158" name="Google Shape;158;p9"/>
+          <p:cNvPr id="158" name="Google Shape;158;p8"/>
           <p:cNvSpPr txBox="1"/>
           <p:nvPr>
             <p:ph type="title"/>
@@ -10090,7 +10752,7 @@
                 <a:cs typeface="Comic Sans MS"/>
                 <a:sym typeface="Comic Sans MS"/>
               </a:rPr>
-              <a:t>Future Work &amp; Wrap-Up</a:t>
+              <a:t>System Architecture</a:t>
             </a:r>
             <a:endParaRPr>
               <a:solidFill>
@@ -10106,7 +10768,7 @@
       </p:sp>
       <p:sp>
         <p:nvSpPr>
-          <p:cNvPr id="159" name="Google Shape;159;p9"/>
+          <p:cNvPr id="159" name="Google Shape;159;p8"/>
           <p:cNvSpPr txBox="1"/>
           <p:nvPr>
             <p:ph idx="1" type="body"/>
@@ -10147,6 +10809,39 @@
             <a:r>
               <a:t/>
             </a:r>
+            <a:endParaRPr>
+              <a:solidFill>
+                <a:srgbClr val="000000"/>
+              </a:solidFill>
+            </a:endParaRPr>
+          </a:p>
+          <a:p>
+            <a:pPr indent="-330200" lvl="0" marL="342900" rtl="0" algn="l">
+              <a:spcBef>
+                <a:spcPts val="640"/>
+              </a:spcBef>
+              <a:spcAft>
+                <a:spcPts val="0"/>
+              </a:spcAft>
+              <a:buClr>
+                <a:srgbClr val="000000"/>
+              </a:buClr>
+              <a:buSzPts val="3000"/>
+              <a:buFont typeface="Comic Sans MS"/>
+              <a:buChar char="●"/>
+            </a:pPr>
+            <a:r>
+              <a:rPr lang="en-US" sz="3000">
+                <a:solidFill>
+                  <a:srgbClr val="000000"/>
+                </a:solidFill>
+                <a:latin typeface="Comic Sans MS"/>
+                <a:ea typeface="Comic Sans MS"/>
+                <a:cs typeface="Comic Sans MS"/>
+                <a:sym typeface="Comic Sans MS"/>
+              </a:rPr>
+              <a:t>Frontend: Flutter web/mobile</a:t>
+            </a:r>
             <a:endParaRPr sz="3000">
               <a:solidFill>
                 <a:srgbClr val="000000"/>
@@ -10182,7 +10877,19 @@
                 <a:cs typeface="Comic Sans MS"/>
                 <a:sym typeface="Comic Sans MS"/>
               </a:rPr>
-              <a:t>Offline request queuing</a:t>
+              <a:t>Backend: </a:t>
+            </a:r>
+            <a:r>
+              <a:rPr lang="en-US" sz="3000">
+                <a:solidFill>
+                  <a:srgbClr val="000000"/>
+                </a:solidFill>
+                <a:latin typeface="Comic Sans MS"/>
+                <a:ea typeface="Comic Sans MS"/>
+                <a:cs typeface="Comic Sans MS"/>
+                <a:sym typeface="Comic Sans MS"/>
+              </a:rPr>
+              <a:t>FastAPI, integrated with Firebase services.</a:t>
             </a:r>
             <a:endParaRPr sz="3000">
               <a:solidFill>
@@ -10219,7 +10926,7 @@
                 <a:cs typeface="Comic Sans MS"/>
                 <a:sym typeface="Comic Sans MS"/>
               </a:rPr>
-              <a:t>Volunteer progress tracking</a:t>
+              <a:t>Database: Firestore (NoSQL)</a:t>
             </a:r>
             <a:endParaRPr sz="3000">
               <a:solidFill>
@@ -10256,7 +10963,7 @@
                 <a:cs typeface="Comic Sans MS"/>
                 <a:sym typeface="Comic Sans MS"/>
               </a:rPr>
-              <a:t>Advanced AI optimization</a:t>
+              <a:t>AI Module: matching_ai.py (GeoPy + scikit-learn)</a:t>
             </a:r>
             <a:endParaRPr sz="3000">
               <a:solidFill>
@@ -10274,7 +10981,7 @@
                 <a:spcPts val="640"/>
               </a:spcBef>
               <a:spcAft>
-                <a:spcPts val="0"/>
+                <a:spcPts val="1200"/>
               </a:spcAft>
               <a:buClr>
                 <a:srgbClr val="000000"/>
@@ -10293,7 +11000,152 @@
                 <a:cs typeface="Comic Sans MS"/>
                 <a:sym typeface="Comic Sans MS"/>
               </a:rPr>
-              <a:t>CI/CD pipeline and deployment automation</a:t>
+              <a:t>Third-Party: Stripe, Google Maps API</a:t>
+            </a:r>
+            <a:endParaRPr sz="3000">
+              <a:solidFill>
+                <a:srgbClr val="000000"/>
+              </a:solidFill>
+              <a:latin typeface="Comic Sans MS"/>
+              <a:ea typeface="Comic Sans MS"/>
+              <a:cs typeface="Comic Sans MS"/>
+              <a:sym typeface="Comic Sans MS"/>
+            </a:endParaRPr>
+          </a:p>
+        </p:txBody>
+      </p:sp>
+    </p:spTree>
+  </p:cSld>
+  <p:clrMapOvr>
+    <a:masterClrMapping/>
+  </p:clrMapOvr>
+</p:sld>
+</file>
+
+<file path=ppt/slides/slide13.xml><?xml version="1.0" encoding="utf-8"?>
+<p:sld xmlns:a="http://schemas.openxmlformats.org/drawingml/2006/main" xmlns:r="http://schemas.openxmlformats.org/officeDocument/2006/relationships" xmlns:mc="http://schemas.openxmlformats.org/markup-compatibility/2006" xmlns:mv="urn:schemas-microsoft-com:mac:vml" xmlns:p="http://schemas.openxmlformats.org/presentationml/2006/main" xmlns:c="http://schemas.openxmlformats.org/drawingml/2006/chart" xmlns:dgm="http://schemas.openxmlformats.org/drawingml/2006/diagram" xmlns:o="urn:schemas-microsoft-com:office:office" xmlns:v="urn:schemas-microsoft-com:vml" xmlns:pvml="urn:schemas-microsoft-com:office:powerpoint" xmlns:com="http://schemas.openxmlformats.org/drawingml/2006/compatibility" xmlns:p14="http://schemas.microsoft.com/office/powerpoint/2010/main" xmlns:p15="http://schemas.microsoft.com/office/powerpoint/2012/main" xmlns:ahyp="http://schemas.microsoft.com/office/drawing/2018/hyperlinkcolor">
+  <p:cSld>
+    <p:spTree>
+      <p:nvGrpSpPr>
+        <p:cNvPr id="163" name="Shape 163"/>
+        <p:cNvGrpSpPr/>
+        <p:nvPr/>
+      </p:nvGrpSpPr>
+      <p:grpSpPr>
+        <a:xfrm>
+          <a:off x="0" y="0"/>
+          <a:ext cx="0" cy="0"/>
+          <a:chOff x="0" y="0"/>
+          <a:chExt cx="0" cy="0"/>
+        </a:xfrm>
+      </p:grpSpPr>
+      <p:sp>
+        <p:nvSpPr>
+          <p:cNvPr id="164" name="Google Shape;164;p9"/>
+          <p:cNvSpPr txBox="1"/>
+          <p:nvPr>
+            <p:ph type="title"/>
+          </p:nvPr>
+        </p:nvSpPr>
+        <p:spPr>
+          <a:xfrm>
+            <a:off x="457200" y="274638"/>
+            <a:ext cx="8229600" cy="1143000"/>
+          </a:xfrm>
+          <a:prstGeom prst="rect">
+            <a:avLst/>
+          </a:prstGeom>
+          <a:noFill/>
+          <a:ln>
+            <a:noFill/>
+          </a:ln>
+        </p:spPr>
+        <p:txBody>
+          <a:bodyPr anchorCtr="0" anchor="ctr" bIns="45700" lIns="91425" spcFirstLastPara="1" rIns="91425" wrap="square" tIns="45700">
+            <a:normAutofit/>
+          </a:bodyPr>
+          <a:lstStyle/>
+          <a:p>
+            <a:pPr indent="0" lvl="0" marL="0" rtl="0" algn="ctr">
+              <a:spcBef>
+                <a:spcPts val="0"/>
+              </a:spcBef>
+              <a:spcAft>
+                <a:spcPts val="0"/>
+              </a:spcAft>
+              <a:buClr>
+                <a:schemeClr val="dk1"/>
+              </a:buClr>
+              <a:buSzPts val="4400"/>
+              <a:buFont typeface="Calibri"/>
+              <a:buNone/>
+            </a:pPr>
+            <a:r>
+              <a:rPr lang="en-US" sz="4400">
+                <a:solidFill>
+                  <a:srgbClr val="000000"/>
+                </a:solidFill>
+                <a:latin typeface="Comic Sans MS"/>
+                <a:ea typeface="Comic Sans MS"/>
+                <a:cs typeface="Comic Sans MS"/>
+                <a:sym typeface="Comic Sans MS"/>
+              </a:rPr>
+              <a:t>Future Work &amp; Wrap-Up</a:t>
+            </a:r>
+            <a:endParaRPr>
+              <a:solidFill>
+                <a:srgbClr val="000000"/>
+              </a:solidFill>
+              <a:latin typeface="Comic Sans MS"/>
+              <a:ea typeface="Comic Sans MS"/>
+              <a:cs typeface="Comic Sans MS"/>
+              <a:sym typeface="Comic Sans MS"/>
+            </a:endParaRPr>
+          </a:p>
+        </p:txBody>
+      </p:sp>
+      <p:sp>
+        <p:nvSpPr>
+          <p:cNvPr id="165" name="Google Shape;165;p9"/>
+          <p:cNvSpPr txBox="1"/>
+          <p:nvPr>
+            <p:ph idx="1" type="body"/>
+          </p:nvPr>
+        </p:nvSpPr>
+        <p:spPr>
+          <a:xfrm>
+            <a:off x="457200" y="1600200"/>
+            <a:ext cx="8229600" cy="4525963"/>
+          </a:xfrm>
+          <a:prstGeom prst="rect">
+            <a:avLst/>
+          </a:prstGeom>
+          <a:noFill/>
+          <a:ln>
+            <a:noFill/>
+          </a:ln>
+        </p:spPr>
+        <p:txBody>
+          <a:bodyPr anchorCtr="0" anchor="t" bIns="45700" lIns="91425" spcFirstLastPara="1" rIns="91425" wrap="square" tIns="45700">
+            <a:normAutofit/>
+          </a:bodyPr>
+          <a:lstStyle/>
+          <a:p>
+            <a:pPr indent="-139700" lvl="0" marL="342900" rtl="0" algn="l">
+              <a:spcBef>
+                <a:spcPts val="0"/>
+              </a:spcBef>
+              <a:spcAft>
+                <a:spcPts val="0"/>
+              </a:spcAft>
+              <a:buClr>
+                <a:schemeClr val="dk1"/>
+              </a:buClr>
+              <a:buSzPts val="3200"/>
+              <a:buNone/>
+            </a:pPr>
+            <a:r>
+              <a:t/>
             </a:r>
             <a:endParaRPr sz="3000">
               <a:solidFill>
@@ -10311,7 +11163,7 @@
                 <a:spcPts val="640"/>
               </a:spcBef>
               <a:spcAft>
-                <a:spcPts val="1200"/>
+                <a:spcPts val="0"/>
               </a:spcAft>
               <a:buClr>
                 <a:srgbClr val="000000"/>
@@ -10330,7 +11182,167 @@
                 <a:cs typeface="Comic Sans MS"/>
                 <a:sym typeface="Comic Sans MS"/>
               </a:rPr>
-              <a:t>Thank you! Questions?</a:t>
+              <a:t>Offline request queuing</a:t>
+            </a:r>
+            <a:endParaRPr sz="3000">
+              <a:solidFill>
+                <a:srgbClr val="000000"/>
+              </a:solidFill>
+              <a:latin typeface="Comic Sans MS"/>
+              <a:ea typeface="Comic Sans MS"/>
+              <a:cs typeface="Comic Sans MS"/>
+              <a:sym typeface="Comic Sans MS"/>
+            </a:endParaRPr>
+          </a:p>
+          <a:p>
+            <a:pPr indent="-330200" lvl="0" marL="342900" rtl="0" algn="l">
+              <a:spcBef>
+                <a:spcPts val="640"/>
+              </a:spcBef>
+              <a:spcAft>
+                <a:spcPts val="0"/>
+              </a:spcAft>
+              <a:buClr>
+                <a:srgbClr val="000000"/>
+              </a:buClr>
+              <a:buSzPts val="3000"/>
+              <a:buFont typeface="Comic Sans MS"/>
+              <a:buChar char="●"/>
+            </a:pPr>
+            <a:r>
+              <a:rPr lang="en-US" sz="3000">
+                <a:solidFill>
+                  <a:srgbClr val="000000"/>
+                </a:solidFill>
+                <a:latin typeface="Comic Sans MS"/>
+                <a:ea typeface="Comic Sans MS"/>
+                <a:cs typeface="Comic Sans MS"/>
+                <a:sym typeface="Comic Sans MS"/>
+              </a:rPr>
+              <a:t>Volunteer progress tracking</a:t>
+            </a:r>
+            <a:endParaRPr sz="3000">
+              <a:solidFill>
+                <a:srgbClr val="000000"/>
+              </a:solidFill>
+              <a:latin typeface="Comic Sans MS"/>
+              <a:ea typeface="Comic Sans MS"/>
+              <a:cs typeface="Comic Sans MS"/>
+              <a:sym typeface="Comic Sans MS"/>
+            </a:endParaRPr>
+          </a:p>
+          <a:p>
+            <a:pPr indent="-330200" lvl="0" marL="342900" rtl="0" algn="l">
+              <a:spcBef>
+                <a:spcPts val="640"/>
+              </a:spcBef>
+              <a:spcAft>
+                <a:spcPts val="0"/>
+              </a:spcAft>
+              <a:buClr>
+                <a:srgbClr val="000000"/>
+              </a:buClr>
+              <a:buSzPts val="3000"/>
+              <a:buFont typeface="Comic Sans MS"/>
+              <a:buChar char="●"/>
+            </a:pPr>
+            <a:r>
+              <a:rPr lang="en-US" sz="3000">
+                <a:solidFill>
+                  <a:srgbClr val="000000"/>
+                </a:solidFill>
+                <a:latin typeface="Comic Sans MS"/>
+                <a:ea typeface="Comic Sans MS"/>
+                <a:cs typeface="Comic Sans MS"/>
+                <a:sym typeface="Comic Sans MS"/>
+              </a:rPr>
+              <a:t>Advanced AI optimization</a:t>
+            </a:r>
+            <a:endParaRPr sz="3000">
+              <a:solidFill>
+                <a:srgbClr val="000000"/>
+              </a:solidFill>
+              <a:latin typeface="Comic Sans MS"/>
+              <a:ea typeface="Comic Sans MS"/>
+              <a:cs typeface="Comic Sans MS"/>
+              <a:sym typeface="Comic Sans MS"/>
+            </a:endParaRPr>
+          </a:p>
+          <a:p>
+            <a:pPr indent="-330200" lvl="0" marL="342900" rtl="0" algn="l">
+              <a:spcBef>
+                <a:spcPts val="640"/>
+              </a:spcBef>
+              <a:spcAft>
+                <a:spcPts val="0"/>
+              </a:spcAft>
+              <a:buClr>
+                <a:srgbClr val="000000"/>
+              </a:buClr>
+              <a:buSzPts val="3000"/>
+              <a:buFont typeface="Comic Sans MS"/>
+              <a:buChar char="●"/>
+            </a:pPr>
+            <a:r>
+              <a:rPr lang="en-US" sz="3000">
+                <a:solidFill>
+                  <a:srgbClr val="000000"/>
+                </a:solidFill>
+                <a:latin typeface="Comic Sans MS"/>
+                <a:ea typeface="Comic Sans MS"/>
+                <a:cs typeface="Comic Sans MS"/>
+                <a:sym typeface="Comic Sans MS"/>
+              </a:rPr>
+              <a:t>A</a:t>
+            </a:r>
+            <a:r>
+              <a:rPr lang="en-US" sz="3000">
+                <a:solidFill>
+                  <a:srgbClr val="000000"/>
+                </a:solidFill>
+                <a:latin typeface="Comic Sans MS"/>
+                <a:ea typeface="Comic Sans MS"/>
+                <a:cs typeface="Comic Sans MS"/>
+                <a:sym typeface="Comic Sans MS"/>
+              </a:rPr>
+              <a:t>utomating the CI/CD pipeline, faster, more reliable updates</a:t>
+            </a:r>
+            <a:endParaRPr sz="3000">
+              <a:solidFill>
+                <a:srgbClr val="000000"/>
+              </a:solidFill>
+              <a:latin typeface="Comic Sans MS"/>
+              <a:ea typeface="Comic Sans MS"/>
+              <a:cs typeface="Comic Sans MS"/>
+              <a:sym typeface="Comic Sans MS"/>
+            </a:endParaRPr>
+          </a:p>
+          <a:p>
+            <a:pPr indent="-330200" lvl="0" marL="342900" rtl="0" algn="l">
+              <a:spcBef>
+                <a:spcPts val="640"/>
+              </a:spcBef>
+              <a:spcAft>
+                <a:spcPts val="1200"/>
+              </a:spcAft>
+              <a:buClr>
+                <a:srgbClr val="000000"/>
+              </a:buClr>
+              <a:buSzPts val="3000"/>
+              <a:buFont typeface="Comic Sans MS"/>
+              <a:buChar char="●"/>
+            </a:pPr>
+            <a:r>
+              <a:rPr lang="en-US" sz="3000">
+                <a:solidFill>
+                  <a:srgbClr val="000000"/>
+                </a:solidFill>
+                <a:latin typeface="Comic Sans MS"/>
+                <a:ea typeface="Comic Sans MS"/>
+                <a:cs typeface="Comic Sans MS"/>
+                <a:sym typeface="Comic Sans MS"/>
+              </a:rPr>
+              <a:t>Thank you! Any Questions?</a:t>
             </a:r>
             <a:endParaRPr sz="3000">
               <a:solidFill>
@@ -10466,7 +11478,7 @@
                 <a:cs typeface="Comic Sans MS"/>
                 <a:sym typeface="Comic Sans MS"/>
               </a:rPr>
-              <a:t>Disaster Victims </a:t>
+              <a:t>Main User : Disaster Victims </a:t>
             </a:r>
             <a:endParaRPr sz="3000">
               <a:solidFill>
@@ -10503,7 +11515,7 @@
                 <a:cs typeface="Comic Sans MS"/>
                 <a:sym typeface="Comic Sans MS"/>
               </a:rPr>
-              <a:t>Regular users </a:t>
+              <a:t>Secondary User : Normal People </a:t>
             </a:r>
             <a:endParaRPr sz="3000">
               <a:solidFill>
@@ -10540,7 +11552,44 @@
                 <a:cs typeface="Comic Sans MS"/>
                 <a:sym typeface="Comic Sans MS"/>
               </a:rPr>
-              <a:t>Donors</a:t>
+              <a:t>Other Users :</a:t>
+            </a:r>
+            <a:endParaRPr sz="3000">
+              <a:solidFill>
+                <a:srgbClr val="000000"/>
+              </a:solidFill>
+              <a:latin typeface="Comic Sans MS"/>
+              <a:ea typeface="Comic Sans MS"/>
+              <a:cs typeface="Comic Sans MS"/>
+              <a:sym typeface="Comic Sans MS"/>
+            </a:endParaRPr>
+          </a:p>
+          <a:p>
+            <a:pPr indent="-419100" lvl="0" marL="457200" rtl="0" algn="l">
+              <a:spcBef>
+                <a:spcPts val="0"/>
+              </a:spcBef>
+              <a:spcAft>
+                <a:spcPts val="0"/>
+              </a:spcAft>
+              <a:buClr>
+                <a:srgbClr val="000000"/>
+              </a:buClr>
+              <a:buSzPts val="3000"/>
+              <a:buFont typeface="Comic Sans MS"/>
+              <a:buChar char="●"/>
+            </a:pPr>
+            <a:r>
+              <a:rPr lang="en-US" sz="3000">
+                <a:solidFill>
+                  <a:srgbClr val="000000"/>
+                </a:solidFill>
+                <a:latin typeface="Comic Sans MS"/>
+                <a:ea typeface="Comic Sans MS"/>
+                <a:cs typeface="Comic Sans MS"/>
+                <a:sym typeface="Comic Sans MS"/>
+              </a:rPr>
+              <a:t>Donors </a:t>
             </a:r>
             <a:endParaRPr sz="3000">
               <a:solidFill>
@@ -10648,7 +11697,7 @@
         </p:spPr>
         <p:txBody>
           <a:bodyPr anchorCtr="0" anchor="t" bIns="45700" lIns="91425" spcFirstLastPara="1" rIns="91425" wrap="square" tIns="45700">
-            <a:normAutofit lnSpcReduction="10000"/>
+            <a:normAutofit fontScale="25000" lnSpcReduction="20000"/>
           </a:bodyPr>
           <a:lstStyle/>
           <a:p>
@@ -10662,12 +11711,12 @@
               <a:buClr>
                 <a:srgbClr val="000000"/>
               </a:buClr>
-              <a:buSzPts val="3000"/>
+              <a:buSzPct val="100000"/>
               <a:buFont typeface="Comic Sans MS"/>
               <a:buChar char="●"/>
             </a:pPr>
             <a:r>
-              <a:rPr lang="en-US" sz="3000">
+              <a:rPr lang="en-US" sz="12000">
                 <a:solidFill>
                   <a:srgbClr val="000000"/>
                 </a:solidFill>
@@ -10676,9 +11725,9 @@
                 <a:cs typeface="Comic Sans MS"/>
                 <a:sym typeface="Comic Sans MS"/>
               </a:rPr>
-              <a:t>Disaster Victims to request for help at exact location </a:t>
-            </a:r>
-            <a:endParaRPr sz="3000">
+              <a:t>Disaster Victims will be able to request for immediate aid that will get pinpointed to their exact location</a:t>
+            </a:r>
+            <a:endParaRPr sz="12000">
               <a:solidFill>
                 <a:srgbClr val="000000"/>
               </a:solidFill>
@@ -10699,12 +11748,12 @@
               <a:buClr>
                 <a:srgbClr val="000000"/>
               </a:buClr>
-              <a:buSzPts val="3000"/>
+              <a:buSzPct val="100000"/>
               <a:buFont typeface="Comic Sans MS"/>
               <a:buChar char="●"/>
             </a:pPr>
             <a:r>
-              <a:rPr lang="en-US" sz="3000">
+              <a:rPr lang="en-US" sz="12000">
                 <a:solidFill>
                   <a:srgbClr val="000000"/>
                 </a:solidFill>
@@ -10713,9 +11762,9 @@
                 <a:cs typeface="Comic Sans MS"/>
                 <a:sym typeface="Comic Sans MS"/>
               </a:rPr>
-              <a:t>Victims and Bystanders to get real-time updates on disasters</a:t>
-            </a:r>
-            <a:endParaRPr sz="3000">
+              <a:t>Victims and Bystanders will be able to get real-time updates on disasters or potential disasters (warning alerts) </a:t>
+            </a:r>
+            <a:endParaRPr sz="12000">
               <a:solidFill>
                 <a:srgbClr val="000000"/>
               </a:solidFill>
@@ -10736,12 +11785,12 @@
               <a:buClr>
                 <a:srgbClr val="000000"/>
               </a:buClr>
-              <a:buSzPts val="3000"/>
+              <a:buSzPct val="100000"/>
               <a:buFont typeface="Comic Sans MS"/>
               <a:buChar char="●"/>
             </a:pPr>
             <a:r>
-              <a:rPr lang="en-US" sz="3000">
+              <a:rPr lang="en-US" sz="12000">
                 <a:solidFill>
                   <a:srgbClr val="000000"/>
                 </a:solidFill>
@@ -10750,10 +11799,10 @@
                 <a:cs typeface="Comic Sans MS"/>
                 <a:sym typeface="Comic Sans MS"/>
               </a:rPr>
-              <a:t>Victims to view </a:t>
-            </a:r>
-            <a:r>
-              <a:rPr lang="en-US" sz="3000">
+              <a:t>Victims will be able to view available resources by location and </a:t>
+            </a:r>
+            <a:r>
+              <a:rPr lang="en-US" sz="12000">
                 <a:solidFill>
                   <a:srgbClr val="000000"/>
                 </a:solidFill>
@@ -10762,10 +11811,10 @@
                 <a:cs typeface="Comic Sans MS"/>
                 <a:sym typeface="Comic Sans MS"/>
               </a:rPr>
-              <a:t>available</a:t>
-            </a:r>
-            <a:r>
-              <a:rPr lang="en-US" sz="3000">
+              <a:t>quantity</a:t>
+            </a:r>
+            <a:r>
+              <a:rPr lang="en-US" sz="12000">
                 <a:solidFill>
                   <a:srgbClr val="000000"/>
                 </a:solidFill>
@@ -10774,9 +11823,70 @@
                 <a:cs typeface="Comic Sans MS"/>
                 <a:sym typeface="Comic Sans MS"/>
               </a:rPr>
-              <a:t> resources by quantity and city </a:t>
-            </a:r>
-            <a:endParaRPr sz="3000">
+              <a:t> </a:t>
+            </a:r>
+            <a:endParaRPr sz="12000">
+              <a:solidFill>
+                <a:srgbClr val="000000"/>
+              </a:solidFill>
+              <a:latin typeface="Comic Sans MS"/>
+              <a:ea typeface="Comic Sans MS"/>
+              <a:cs typeface="Comic Sans MS"/>
+              <a:sym typeface="Comic Sans MS"/>
+            </a:endParaRPr>
+          </a:p>
+          <a:p>
+            <a:pPr indent="-419100" lvl="0" marL="457200" rtl="0" algn="l">
+              <a:spcBef>
+                <a:spcPts val="0"/>
+              </a:spcBef>
+              <a:spcAft>
+                <a:spcPts val="0"/>
+              </a:spcAft>
+              <a:buClr>
+                <a:srgbClr val="000000"/>
+              </a:buClr>
+              <a:buSzPct val="100000"/>
+              <a:buFont typeface="Comic Sans MS"/>
+              <a:buChar char="●"/>
+            </a:pPr>
+            <a:r>
+              <a:rPr lang="en-US" sz="12000">
+                <a:solidFill>
+                  <a:srgbClr val="000000"/>
+                </a:solidFill>
+                <a:latin typeface="Comic Sans MS"/>
+                <a:ea typeface="Comic Sans MS"/>
+                <a:cs typeface="Comic Sans MS"/>
+                <a:sym typeface="Comic Sans MS"/>
+              </a:rPr>
+              <a:t>There will be a donation system in place to help disaster </a:t>
+            </a:r>
+            <a:r>
+              <a:rPr lang="en-US" sz="12000">
+                <a:solidFill>
+                  <a:srgbClr val="000000"/>
+                </a:solidFill>
+                <a:latin typeface="Comic Sans MS"/>
+                <a:ea typeface="Comic Sans MS"/>
+                <a:cs typeface="Comic Sans MS"/>
+                <a:sym typeface="Comic Sans MS"/>
+              </a:rPr>
+              <a:t>victims</a:t>
+            </a:r>
+            <a:r>
+              <a:rPr lang="en-US" sz="12000">
+                <a:solidFill>
+                  <a:srgbClr val="000000"/>
+                </a:solidFill>
+                <a:latin typeface="Comic Sans MS"/>
+                <a:ea typeface="Comic Sans MS"/>
+                <a:cs typeface="Comic Sans MS"/>
+                <a:sym typeface="Comic Sans MS"/>
+              </a:rPr>
+              <a:t> </a:t>
+            </a:r>
+            <a:endParaRPr sz="12000">
               <a:solidFill>
                 <a:srgbClr val="000000"/>
               </a:solidFill>
@@ -10988,7 +12098,44 @@
                 <a:cs typeface="Comic Sans MS"/>
                 <a:sym typeface="Comic Sans MS"/>
               </a:rPr>
-              <a:t>Victims need fast, reliable aid during disasters</a:t>
+              <a:t>Victims need fast, reliable way to request for aid or assistance during disasters </a:t>
+            </a:r>
+            <a:endParaRPr sz="3000">
+              <a:solidFill>
+                <a:srgbClr val="000000"/>
+              </a:solidFill>
+              <a:latin typeface="Comic Sans MS"/>
+              <a:ea typeface="Comic Sans MS"/>
+              <a:cs typeface="Comic Sans MS"/>
+              <a:sym typeface="Comic Sans MS"/>
+            </a:endParaRPr>
+          </a:p>
+          <a:p>
+            <a:pPr indent="-419100" lvl="0" marL="342900" rtl="0" algn="l">
+              <a:spcBef>
+                <a:spcPts val="640"/>
+              </a:spcBef>
+              <a:spcAft>
+                <a:spcPts val="0"/>
+              </a:spcAft>
+              <a:buClr>
+                <a:srgbClr val="000000"/>
+              </a:buClr>
+              <a:buSzPts val="3000"/>
+              <a:buFont typeface="Comic Sans MS"/>
+              <a:buChar char="●"/>
+            </a:pPr>
+            <a:r>
+              <a:rPr lang="en-US" sz="3000">
+                <a:solidFill>
+                  <a:srgbClr val="000000"/>
+                </a:solidFill>
+                <a:latin typeface="Comic Sans MS"/>
+                <a:ea typeface="Comic Sans MS"/>
+                <a:cs typeface="Comic Sans MS"/>
+                <a:sym typeface="Comic Sans MS"/>
+              </a:rPr>
+              <a:t>Victims need a way to locate resources in a timely manner</a:t>
             </a:r>
             <a:endParaRPr sz="3000">
               <a:solidFill>
@@ -11003,10 +12150,10 @@
           <a:p>
             <a:pPr indent="-330200" lvl="0" marL="342900" rtl="0" algn="l">
               <a:spcBef>
-                <a:spcPts val="640"/>
-              </a:spcBef>
-              <a:spcAft>
-                <a:spcPts val="0"/>
+                <a:spcPts val="1200"/>
+              </a:spcBef>
+              <a:spcAft>
+                <a:spcPts val="1200"/>
               </a:spcAft>
               <a:buClr>
                 <a:srgbClr val="000000"/>
@@ -11025,81 +12172,7 @@
                 <a:cs typeface="Comic Sans MS"/>
                 <a:sym typeface="Comic Sans MS"/>
               </a:rPr>
-              <a:t>Scattered resources, delayed matching, poor visibility</a:t>
-            </a:r>
-            <a:endParaRPr sz="3000">
-              <a:solidFill>
-                <a:srgbClr val="000000"/>
-              </a:solidFill>
-              <a:latin typeface="Comic Sans MS"/>
-              <a:ea typeface="Comic Sans MS"/>
-              <a:cs typeface="Comic Sans MS"/>
-              <a:sym typeface="Comic Sans MS"/>
-            </a:endParaRPr>
-          </a:p>
-          <a:p>
-            <a:pPr indent="-330200" lvl="0" marL="342900" rtl="0" algn="l">
-              <a:spcBef>
-                <a:spcPts val="640"/>
-              </a:spcBef>
-              <a:spcAft>
-                <a:spcPts val="0"/>
-              </a:spcAft>
-              <a:buClr>
-                <a:srgbClr val="000000"/>
-              </a:buClr>
-              <a:buSzPts val="3000"/>
-              <a:buFont typeface="Comic Sans MS"/>
-              <a:buChar char="●"/>
-            </a:pPr>
-            <a:r>
-              <a:rPr lang="en-US" sz="3000">
-                <a:solidFill>
-                  <a:srgbClr val="000000"/>
-                </a:solidFill>
-                <a:latin typeface="Comic Sans MS"/>
-                <a:ea typeface="Comic Sans MS"/>
-                <a:cs typeface="Comic Sans MS"/>
-                <a:sym typeface="Comic Sans MS"/>
-              </a:rPr>
-              <a:t>Victims need to be alert in real-time during disasters </a:t>
-            </a:r>
-            <a:endParaRPr sz="3000">
-              <a:solidFill>
-                <a:srgbClr val="000000"/>
-              </a:solidFill>
-              <a:latin typeface="Comic Sans MS"/>
-              <a:ea typeface="Comic Sans MS"/>
-              <a:cs typeface="Comic Sans MS"/>
-              <a:sym typeface="Comic Sans MS"/>
-            </a:endParaRPr>
-          </a:p>
-          <a:p>
-            <a:pPr indent="-330200" lvl="0" marL="342900" rtl="0" algn="l">
-              <a:spcBef>
-                <a:spcPts val="1200"/>
-              </a:spcBef>
-              <a:spcAft>
-                <a:spcPts val="1200"/>
-              </a:spcAft>
-              <a:buClr>
-                <a:srgbClr val="000000"/>
-              </a:buClr>
-              <a:buSzPts val="3000"/>
-              <a:buFont typeface="Comic Sans MS"/>
-              <a:buChar char="●"/>
-            </a:pPr>
-            <a:r>
-              <a:rPr lang="en-US" sz="3000">
-                <a:solidFill>
-                  <a:srgbClr val="000000"/>
-                </a:solidFill>
-                <a:latin typeface="Comic Sans MS"/>
-                <a:ea typeface="Comic Sans MS"/>
-                <a:cs typeface="Comic Sans MS"/>
-                <a:sym typeface="Comic Sans MS"/>
-              </a:rPr>
-              <a:t>Victims need a way to located resources </a:t>
+              <a:t>Victims and bystanders need to get real-time alerts during disasters </a:t>
             </a:r>
             <a:endParaRPr sz="3000">
               <a:solidFill>
@@ -11207,11 +12280,11 @@
         </p:spPr>
         <p:txBody>
           <a:bodyPr anchorCtr="0" anchor="t" bIns="45700" lIns="91425" spcFirstLastPara="1" rIns="91425" wrap="square" tIns="45700">
-            <a:normAutofit/>
+            <a:noAutofit/>
           </a:bodyPr>
           <a:lstStyle/>
           <a:p>
-            <a:pPr indent="-330200" lvl="0" marL="342900" rtl="0" algn="l">
+            <a:pPr indent="-298450" lvl="0" marL="342900" rtl="0" algn="l">
               <a:spcBef>
                 <a:spcPts val="640"/>
               </a:spcBef>
@@ -11221,12 +12294,12 @@
               <a:buClr>
                 <a:srgbClr val="000000"/>
               </a:buClr>
-              <a:buSzPts val="3000"/>
+              <a:buSzPts val="2500"/>
               <a:buFont typeface="Comic Sans MS"/>
               <a:buChar char="●"/>
             </a:pPr>
             <a:r>
-              <a:rPr lang="en-US" sz="3000">
+              <a:rPr lang="en-US" sz="2500">
                 <a:solidFill>
                   <a:srgbClr val="000000"/>
                 </a:solidFill>
@@ -11235,9 +12308,21 @@
                 <a:cs typeface="Comic Sans MS"/>
                 <a:sym typeface="Comic Sans MS"/>
               </a:rPr>
+              <a:t>A </a:t>
+            </a:r>
+            <a:r>
+              <a:rPr lang="en-US" sz="2500">
+                <a:solidFill>
+                  <a:srgbClr val="000000"/>
+                </a:solidFill>
+                <a:latin typeface="Comic Sans MS"/>
+                <a:ea typeface="Comic Sans MS"/>
+                <a:cs typeface="Comic Sans MS"/>
+                <a:sym typeface="Comic Sans MS"/>
+              </a:rPr>
               <a:t>Platform for real-time help requests</a:t>
             </a:r>
-            <a:endParaRPr sz="3000">
+            <a:endParaRPr sz="2500">
               <a:solidFill>
                 <a:srgbClr val="000000"/>
               </a:solidFill>
@@ -11248,7 +12333,7 @@
             </a:endParaRPr>
           </a:p>
           <a:p>
-            <a:pPr indent="-330200" lvl="0" marL="342900" rtl="0" algn="l">
+            <a:pPr indent="-298450" lvl="0" marL="342900" rtl="0" algn="l">
               <a:spcBef>
                 <a:spcPts val="1200"/>
               </a:spcBef>
@@ -11258,12 +12343,12 @@
               <a:buClr>
                 <a:srgbClr val="000000"/>
               </a:buClr>
-              <a:buSzPts val="3000"/>
+              <a:buSzPts val="2500"/>
               <a:buFont typeface="Comic Sans MS"/>
               <a:buChar char="●"/>
             </a:pPr>
             <a:r>
-              <a:rPr lang="en-US" sz="3000">
+              <a:rPr lang="en-US" sz="2500">
                 <a:solidFill>
                   <a:srgbClr val="000000"/>
                 </a:solidFill>
@@ -11272,9 +12357,9 @@
                 <a:cs typeface="Comic Sans MS"/>
                 <a:sym typeface="Comic Sans MS"/>
               </a:rPr>
-              <a:t>AI-driven matching + resource inventory + alerts + donations</a:t>
-            </a:r>
-            <a:endParaRPr sz="3000">
+              <a:t>AI-driven matching to match the nearest volunteer / first responder to the closest help request</a:t>
+            </a:r>
+            <a:endParaRPr sz="2500">
               <a:solidFill>
                 <a:srgbClr val="000000"/>
               </a:solidFill>
@@ -11285,7 +12370,7 @@
             </a:endParaRPr>
           </a:p>
           <a:p>
-            <a:pPr indent="-330200" lvl="0" marL="342900" rtl="0" algn="l">
+            <a:pPr indent="-298450" lvl="0" marL="342900" rtl="0" algn="l">
               <a:spcBef>
                 <a:spcPts val="1200"/>
               </a:spcBef>
@@ -11295,12 +12380,12 @@
               <a:buClr>
                 <a:srgbClr val="000000"/>
               </a:buClr>
-              <a:buSzPts val="3000"/>
+              <a:buSzPts val="2500"/>
               <a:buFont typeface="Comic Sans MS"/>
               <a:buChar char="●"/>
             </a:pPr>
             <a:r>
-              <a:rPr lang="en-US" sz="3000">
+              <a:rPr lang="en-US" sz="2500">
                 <a:solidFill>
                   <a:srgbClr val="000000"/>
                 </a:solidFill>
@@ -11309,9 +12394,9 @@
                 <a:cs typeface="Comic Sans MS"/>
                 <a:sym typeface="Comic Sans MS"/>
               </a:rPr>
-              <a:t>A place where victims can see available resources in the area </a:t>
-            </a:r>
-            <a:endParaRPr sz="3000">
+              <a:t>A place where victims can see available resources in each area  </a:t>
+            </a:r>
+            <a:endParaRPr sz="2500">
               <a:solidFill>
                 <a:srgbClr val="000000"/>
               </a:solidFill>
@@ -11322,7 +12407,7 @@
             </a:endParaRPr>
           </a:p>
           <a:p>
-            <a:pPr indent="-330200" lvl="0" marL="342900" rtl="0" algn="l">
+            <a:pPr indent="-298450" lvl="0" marL="342900" rtl="0" algn="l">
               <a:spcBef>
                 <a:spcPts val="1200"/>
               </a:spcBef>
@@ -11332,12 +12417,12 @@
               <a:buClr>
                 <a:srgbClr val="000000"/>
               </a:buClr>
-              <a:buSzPts val="3000"/>
+              <a:buSzPts val="2500"/>
               <a:buFont typeface="Comic Sans MS"/>
               <a:buChar char="●"/>
             </a:pPr>
             <a:r>
-              <a:rPr lang="en-US" sz="3000">
+              <a:rPr lang="en-US" sz="2500">
                 <a:solidFill>
                   <a:srgbClr val="000000"/>
                 </a:solidFill>
@@ -11346,9 +12431,9 @@
                 <a:cs typeface="Comic Sans MS"/>
                 <a:sym typeface="Comic Sans MS"/>
               </a:rPr>
-              <a:t>Victims can get real-time updates </a:t>
-            </a:r>
-            <a:endParaRPr sz="3000">
+              <a:t>Victims and bystanders to be able to get quick, real-time updates </a:t>
+            </a:r>
+            <a:endParaRPr sz="2500">
               <a:solidFill>
                 <a:srgbClr val="000000"/>
               </a:solidFill>
@@ -11359,7 +12444,7 @@
             </a:endParaRPr>
           </a:p>
           <a:p>
-            <a:pPr indent="-330200" lvl="0" marL="342900" rtl="0" algn="l">
+            <a:pPr indent="-298450" lvl="0" marL="342900" rtl="0" algn="l">
               <a:spcBef>
                 <a:spcPts val="1200"/>
               </a:spcBef>
@@ -11369,12 +12454,12 @@
               <a:buClr>
                 <a:srgbClr val="000000"/>
               </a:buClr>
-              <a:buSzPts val="3000"/>
+              <a:buSzPts val="2500"/>
               <a:buFont typeface="Comic Sans MS"/>
               <a:buChar char="●"/>
             </a:pPr>
             <a:r>
-              <a:rPr lang="en-US" sz="3000">
+              <a:rPr lang="en-US" sz="2500">
                 <a:solidFill>
                   <a:srgbClr val="000000"/>
                 </a:solidFill>
@@ -11383,9 +12468,9 @@
                 <a:cs typeface="Comic Sans MS"/>
                 <a:sym typeface="Comic Sans MS"/>
               </a:rPr>
-              <a:t>Victims can request for immediate aid</a:t>
-            </a:r>
-            <a:endParaRPr sz="3000">
+              <a:t>A place where victims can request for help for any type of aid</a:t>
+            </a:r>
+            <a:endParaRPr sz="2500">
               <a:solidFill>
                 <a:srgbClr val="000000"/>
               </a:solidFill>
@@ -12652,6 +13737,285 @@
 </file>
 
 <file path=ppt/theme/theme1.xml><?xml version="1.0" encoding="utf-8"?>
+<a:theme xmlns:a="http://schemas.openxmlformats.org/drawingml/2006/main" xmlns:r="http://schemas.openxmlformats.org/officeDocument/2006/relationships" name="Streamline">
+  <a:themeElements>
+    <a:clrScheme name="Streamline">
+      <a:dk1>
+        <a:srgbClr val="1A9988"/>
+      </a:dk1>
+      <a:lt1>
+        <a:srgbClr val="FFFFFF"/>
+      </a:lt1>
+      <a:dk2>
+        <a:srgbClr val="1A1A1A"/>
+      </a:dk2>
+      <a:lt2>
+        <a:srgbClr val="E9EDEE"/>
+      </a:lt2>
+      <a:accent1>
+        <a:srgbClr val="595959"/>
+      </a:accent1>
+      <a:accent2>
+        <a:srgbClr val="6AA4C8"/>
+      </a:accent2>
+      <a:accent3>
+        <a:srgbClr val="EB5600"/>
+      </a:accent3>
+      <a:accent4>
+        <a:srgbClr val="A2FFE8"/>
+      </a:accent4>
+      <a:accent5>
+        <a:srgbClr val="1C3678"/>
+      </a:accent5>
+      <a:accent6>
+        <a:srgbClr val="FFB8A2"/>
+      </a:accent6>
+      <a:hlink>
+        <a:srgbClr val="1C3678"/>
+      </a:hlink>
+      <a:folHlink>
+        <a:srgbClr val="1C3678"/>
+      </a:folHlink>
+    </a:clrScheme>
+    <a:fontScheme name="Office">
+      <a:majorFont>
+        <a:latin typeface="Arial"/>
+        <a:ea typeface=""/>
+        <a:cs typeface=""/>
+        <a:font script="Jpan" typeface="ＭＳ Ｐゴシック"/>
+        <a:font script="Hang" typeface="맑은 고딕"/>
+        <a:font script="Hans" typeface="宋体"/>
+        <a:font script="Hant" typeface="新細明體"/>
+        <a:font script="Arab" typeface="Times New Roman"/>
+        <a:font script="Hebr" typeface="Times New Roman"/>
+        <a:font script="Thai" typeface="Angsana New"/>
+        <a:font script="Ethi" typeface="Nyala"/>
+        <a:font script="Beng" typeface="Vrinda"/>
+        <a:font script="Gujr" typeface="Shruti"/>
+        <a:font script="Khmr" typeface="MoolBoran"/>
+        <a:font script="Knda" typeface="Tunga"/>
+        <a:font script="Guru" typeface="Raavi"/>
+        <a:font script="Cans" typeface="Euphemia"/>
+        <a:font script="Cher" typeface="Plantagenet Cherokee"/>
+        <a:font script="Yiii" typeface="Microsoft Yi Baiti"/>
+        <a:font script="Tibt" typeface="Microsoft Himalaya"/>
+        <a:font script="Thaa" typeface="MV Boli"/>
+        <a:font script="Deva" typeface="Mangal"/>
+        <a:font script="Telu" typeface="Gautami"/>
+        <a:font script="Taml" typeface="Latha"/>
+        <a:font script="Syrc" typeface="Estrangelo Edessa"/>
+        <a:font script="Orya" typeface="Kalinga"/>
+        <a:font script="Mlym" typeface="Kartika"/>
+        <a:font script="Laoo" typeface="DokChampa"/>
+        <a:font script="Sinh" typeface="Iskoola Pota"/>
+        <a:font script="Mong" typeface="Mongolian Baiti"/>
+        <a:font script="Viet" typeface="Times New Roman"/>
+        <a:font script="Uigh" typeface="Microsoft Uighur"/>
+        <a:font script="Geor" typeface="Sylfaen"/>
+      </a:majorFont>
+      <a:minorFont>
+        <a:latin typeface="Arial"/>
+        <a:ea typeface=""/>
+        <a:cs typeface=""/>
+        <a:font script="Jpan" typeface="ＭＳ Ｐゴシック"/>
+        <a:font script="Hang" typeface="맑은 고딕"/>
+        <a:font script="Hans" typeface="宋体"/>
+        <a:font script="Hant" typeface="新細明體"/>
+        <a:font script="Arab" typeface="Arial"/>
+        <a:font script="Hebr" typeface="Arial"/>
+        <a:font script="Thai" typeface="Cordia New"/>
+        <a:font script="Ethi" typeface="Nyala"/>
+        <a:font script="Beng" typeface="Vrinda"/>
+        <a:font script="Gujr" typeface="Shruti"/>
+        <a:font script="Khmr" typeface="DaunPenh"/>
+        <a:font script="Knda" typeface="Tunga"/>
+        <a:font script="Guru" typeface="Raavi"/>
+        <a:font script="Cans" typeface="Euphemia"/>
+        <a:font script="Cher" typeface="Plantagenet Cherokee"/>
+        <a:font script="Yiii" typeface="Microsoft Yi Baiti"/>
+        <a:font script="Tibt" typeface="Microsoft Himalaya"/>
+        <a:font script="Thaa" typeface="MV Boli"/>
+        <a:font script="Deva" typeface="Mangal"/>
+        <a:font script="Telu" typeface="Gautami"/>
+        <a:font script="Taml" typeface="Latha"/>
+        <a:font script="Syrc" typeface="Estrangelo Edessa"/>
+        <a:font script="Orya" typeface="Kalinga"/>
+        <a:font script="Mlym" typeface="Kartika"/>
+        <a:font script="Laoo" typeface="DokChampa"/>
+        <a:font script="Sinh" typeface="Iskoola Pota"/>
+        <a:font script="Mong" typeface="Mongolian Baiti"/>
+        <a:font script="Viet" typeface="Arial"/>
+        <a:font script="Uigh" typeface="Microsoft Uighur"/>
+        <a:font script="Geor" typeface="Sylfaen"/>
+      </a:minorFont>
+    </a:fontScheme>
+    <a:fmtScheme name="Office">
+      <a:fillStyleLst>
+        <a:solidFill>
+          <a:schemeClr val="phClr"/>
+        </a:solidFill>
+        <a:gradFill rotWithShape="1">
+          <a:gsLst>
+            <a:gs pos="0">
+              <a:schemeClr val="phClr">
+                <a:tint val="50000"/>
+                <a:satMod val="300000"/>
+              </a:schemeClr>
+            </a:gs>
+            <a:gs pos="35000">
+              <a:schemeClr val="phClr">
+                <a:tint val="37000"/>
+                <a:satMod val="300000"/>
+              </a:schemeClr>
+            </a:gs>
+            <a:gs pos="100000">
+              <a:schemeClr val="phClr">
+                <a:tint val="15000"/>
+                <a:satMod val="350000"/>
+              </a:schemeClr>
+            </a:gs>
+          </a:gsLst>
+          <a:lin ang="16200000" scaled="1"/>
+        </a:gradFill>
+        <a:gradFill rotWithShape="1">
+          <a:gsLst>
+            <a:gs pos="0">
+              <a:schemeClr val="phClr">
+                <a:tint val="100000"/>
+                <a:shade val="100000"/>
+                <a:satMod val="130000"/>
+              </a:schemeClr>
+            </a:gs>
+            <a:gs pos="100000">
+              <a:schemeClr val="phClr">
+                <a:tint val="50000"/>
+                <a:shade val="100000"/>
+                <a:satMod val="350000"/>
+              </a:schemeClr>
+            </a:gs>
+          </a:gsLst>
+          <a:lin ang="16200000" scaled="0"/>
+        </a:gradFill>
+      </a:fillStyleLst>
+      <a:lnStyleLst>
+        <a:ln w="9525" cap="flat" cmpd="sng" algn="ctr">
+          <a:solidFill>
+            <a:schemeClr val="phClr">
+              <a:shade val="95000"/>
+              <a:satMod val="105000"/>
+            </a:schemeClr>
+          </a:solidFill>
+          <a:prstDash val="solid"/>
+        </a:ln>
+        <a:ln w="25400" cap="flat" cmpd="sng" algn="ctr">
+          <a:solidFill>
+            <a:schemeClr val="phClr"/>
+          </a:solidFill>
+          <a:prstDash val="solid"/>
+        </a:ln>
+        <a:ln w="38100" cap="flat" cmpd="sng" algn="ctr">
+          <a:solidFill>
+            <a:schemeClr val="phClr"/>
+          </a:solidFill>
+          <a:prstDash val="solid"/>
+        </a:ln>
+      </a:lnStyleLst>
+      <a:effectStyleLst>
+        <a:effectStyle>
+          <a:effectLst>
+            <a:outerShdw blurRad="40000" dist="20000" dir="5400000" rotWithShape="0">
+              <a:srgbClr val="000000">
+                <a:alpha val="38000"/>
+              </a:srgbClr>
+            </a:outerShdw>
+          </a:effectLst>
+        </a:effectStyle>
+        <a:effectStyle>
+          <a:effectLst>
+            <a:outerShdw blurRad="40000" dist="23000" dir="5400000" rotWithShape="0">
+              <a:srgbClr val="000000">
+                <a:alpha val="35000"/>
+              </a:srgbClr>
+            </a:outerShdw>
+          </a:effectLst>
+        </a:effectStyle>
+        <a:effectStyle>
+          <a:effectLst>
+            <a:outerShdw blurRad="40000" dist="23000" dir="5400000" rotWithShape="0">
+              <a:srgbClr val="000000">
+                <a:alpha val="35000"/>
+              </a:srgbClr>
+            </a:outerShdw>
+          </a:effectLst>
+          <a:scene3d>
+            <a:camera prst="orthographicFront">
+              <a:rot lat="0" lon="0" rev="0"/>
+            </a:camera>
+            <a:lightRig rig="threePt" dir="t">
+              <a:rot lat="0" lon="0" rev="1200000"/>
+            </a:lightRig>
+          </a:scene3d>
+          <a:sp3d>
+            <a:bevelT w="63500" h="25400"/>
+          </a:sp3d>
+        </a:effectStyle>
+      </a:effectStyleLst>
+      <a:bgFillStyleLst>
+        <a:solidFill>
+          <a:schemeClr val="phClr"/>
+        </a:solidFill>
+        <a:gradFill rotWithShape="1">
+          <a:gsLst>
+            <a:gs pos="0">
+              <a:schemeClr val="phClr">
+                <a:tint val="40000"/>
+                <a:satMod val="350000"/>
+              </a:schemeClr>
+            </a:gs>
+            <a:gs pos="40000">
+              <a:schemeClr val="phClr">
+                <a:tint val="45000"/>
+                <a:shade val="99000"/>
+                <a:satMod val="350000"/>
+              </a:schemeClr>
+            </a:gs>
+            <a:gs pos="100000">
+              <a:schemeClr val="phClr">
+                <a:shade val="20000"/>
+                <a:satMod val="255000"/>
+              </a:schemeClr>
+            </a:gs>
+          </a:gsLst>
+          <a:path path="circle">
+            <a:fillToRect l="50000" t="-80000" r="50000" b="180000"/>
+          </a:path>
+        </a:gradFill>
+        <a:gradFill rotWithShape="1">
+          <a:gsLst>
+            <a:gs pos="0">
+              <a:schemeClr val="phClr">
+                <a:tint val="80000"/>
+                <a:satMod val="300000"/>
+              </a:schemeClr>
+            </a:gs>
+            <a:gs pos="100000">
+              <a:schemeClr val="phClr">
+                <a:shade val="30000"/>
+                <a:satMod val="200000"/>
+              </a:schemeClr>
+            </a:gs>
+          </a:gsLst>
+          <a:path path="circle">
+            <a:fillToRect l="50000" t="50000" r="50000" b="50000"/>
+          </a:path>
+        </a:gradFill>
+      </a:bgFillStyleLst>
+    </a:fmtScheme>
+  </a:themeElements>
+</a:theme>
+</file>
+
+<file path=ppt/theme/theme2.xml><?xml version="1.0" encoding="utf-8"?>
 <a:theme xmlns:a="http://schemas.openxmlformats.org/drawingml/2006/main" xmlns:r="http://schemas.openxmlformats.org/officeDocument/2006/relationships">
   <a:themeElements>
     <a:clrScheme name="Default">
@@ -12928,283 +14292,4 @@
     </a:fmtScheme>
   </a:themeElements>
 </a:theme>
-</file>
-
-<file path=ppt/theme/theme2.xml><?xml version="1.0" encoding="utf-8"?>
-<a:theme xmlns:a="http://schemas.openxmlformats.org/drawingml/2006/main" xmlns:r="http://schemas.openxmlformats.org/officeDocument/2006/relationships" name="Streamline">
-  <a:themeElements>
-    <a:clrScheme name="Streamline">
-      <a:dk1>
-        <a:srgbClr val="1A9988"/>
-      </a:dk1>
-      <a:lt1>
-        <a:srgbClr val="FFFFFF"/>
-      </a:lt1>
-      <a:dk2>
-        <a:srgbClr val="1A1A1A"/>
-      </a:dk2>
-      <a:lt2>
-        <a:srgbClr val="E9EDEE"/>
-      </a:lt2>
-      <a:accent1>
-        <a:srgbClr val="595959"/>
-      </a:accent1>
-      <a:accent2>
-        <a:srgbClr val="6AA4C8"/>
-      </a:accent2>
-      <a:accent3>
-        <a:srgbClr val="EB5600"/>
-      </a:accent3>
-      <a:accent4>
-        <a:srgbClr val="A2FFE8"/>
-      </a:accent4>
-      <a:accent5>
-        <a:srgbClr val="1C3678"/>
-      </a:accent5>
-      <a:accent6>
-        <a:srgbClr val="FFB8A2"/>
-      </a:accent6>
-      <a:hlink>
-        <a:srgbClr val="1C3678"/>
-      </a:hlink>
-      <a:folHlink>
-        <a:srgbClr val="1C3678"/>
-      </a:folHlink>
-    </a:clrScheme>
-    <a:fontScheme name="Office">
-      <a:majorFont>
-        <a:latin typeface="Arial"/>
-        <a:ea typeface=""/>
-        <a:cs typeface=""/>
-        <a:font script="Jpan" typeface="ＭＳ Ｐゴシック"/>
-        <a:font script="Hang" typeface="맑은 고딕"/>
-        <a:font script="Hans" typeface="宋体"/>
-        <a:font script="Hant" typeface="新細明體"/>
-        <a:font script="Arab" typeface="Times New Roman"/>
-        <a:font script="Hebr" typeface="Times New Roman"/>
-        <a:font script="Thai" typeface="Angsana New"/>
-        <a:font script="Ethi" typeface="Nyala"/>
-        <a:font script="Beng" typeface="Vrinda"/>
-        <a:font script="Gujr" typeface="Shruti"/>
-        <a:font script="Khmr" typeface="MoolBoran"/>
-        <a:font script="Knda" typeface="Tunga"/>
-        <a:font script="Guru" typeface="Raavi"/>
-        <a:font script="Cans" typeface="Euphemia"/>
-        <a:font script="Cher" typeface="Plantagenet Cherokee"/>
-        <a:font script="Yiii" typeface="Microsoft Yi Baiti"/>
-        <a:font script="Tibt" typeface="Microsoft Himalaya"/>
-        <a:font script="Thaa" typeface="MV Boli"/>
-        <a:font script="Deva" typeface="Mangal"/>
-        <a:font script="Telu" typeface="Gautami"/>
-        <a:font script="Taml" typeface="Latha"/>
-        <a:font script="Syrc" typeface="Estrangelo Edessa"/>
-        <a:font script="Orya" typeface="Kalinga"/>
-        <a:font script="Mlym" typeface="Kartika"/>
-        <a:font script="Laoo" typeface="DokChampa"/>
-        <a:font script="Sinh" typeface="Iskoola Pota"/>
-        <a:font script="Mong" typeface="Mongolian Baiti"/>
-        <a:font script="Viet" typeface="Times New Roman"/>
-        <a:font script="Uigh" typeface="Microsoft Uighur"/>
-        <a:font script="Geor" typeface="Sylfaen"/>
-      </a:majorFont>
-      <a:minorFont>
-        <a:latin typeface="Arial"/>
-        <a:ea typeface=""/>
-        <a:cs typeface=""/>
-        <a:font script="Jpan" typeface="ＭＳ Ｐゴシック"/>
-        <a:font script="Hang" typeface="맑은 고딕"/>
-        <a:font script="Hans" typeface="宋体"/>
-        <a:font script="Hant" typeface="新細明體"/>
-        <a:font script="Arab" typeface="Arial"/>
-        <a:font script="Hebr" typeface="Arial"/>
-        <a:font script="Thai" typeface="Cordia New"/>
-        <a:font script="Ethi" typeface="Nyala"/>
-        <a:font script="Beng" typeface="Vrinda"/>
-        <a:font script="Gujr" typeface="Shruti"/>
-        <a:font script="Khmr" typeface="DaunPenh"/>
-        <a:font script="Knda" typeface="Tunga"/>
-        <a:font script="Guru" typeface="Raavi"/>
-        <a:font script="Cans" typeface="Euphemia"/>
-        <a:font script="Cher" typeface="Plantagenet Cherokee"/>
-        <a:font script="Yiii" typeface="Microsoft Yi Baiti"/>
-        <a:font script="Tibt" typeface="Microsoft Himalaya"/>
-        <a:font script="Thaa" typeface="MV Boli"/>
-        <a:font script="Deva" typeface="Mangal"/>
-        <a:font script="Telu" typeface="Gautami"/>
-        <a:font script="Taml" typeface="Latha"/>
-        <a:font script="Syrc" typeface="Estrangelo Edessa"/>
-        <a:font script="Orya" typeface="Kalinga"/>
-        <a:font script="Mlym" typeface="Kartika"/>
-        <a:font script="Laoo" typeface="DokChampa"/>
-        <a:font script="Sinh" typeface="Iskoola Pota"/>
-        <a:font script="Mong" typeface="Mongolian Baiti"/>
-        <a:font script="Viet" typeface="Arial"/>
-        <a:font script="Uigh" typeface="Microsoft Uighur"/>
-        <a:font script="Geor" typeface="Sylfaen"/>
-      </a:minorFont>
-    </a:fontScheme>
-    <a:fmtScheme name="Office">
-      <a:fillStyleLst>
-        <a:solidFill>
-          <a:schemeClr val="phClr"/>
-        </a:solidFill>
-        <a:gradFill rotWithShape="1">
-          <a:gsLst>
-            <a:gs pos="0">
-              <a:schemeClr val="phClr">
-                <a:tint val="50000"/>
-                <a:satMod val="300000"/>
-              </a:schemeClr>
-            </a:gs>
-            <a:gs pos="35000">
-              <a:schemeClr val="phClr">
-                <a:tint val="37000"/>
-                <a:satMod val="300000"/>
-              </a:schemeClr>
-            </a:gs>
-            <a:gs pos="100000">
-              <a:schemeClr val="phClr">
-                <a:tint val="15000"/>
-                <a:satMod val="350000"/>
-              </a:schemeClr>
-            </a:gs>
-          </a:gsLst>
-          <a:lin ang="16200000" scaled="1"/>
-        </a:gradFill>
-        <a:gradFill rotWithShape="1">
-          <a:gsLst>
-            <a:gs pos="0">
-              <a:schemeClr val="phClr">
-                <a:tint val="100000"/>
-                <a:shade val="100000"/>
-                <a:satMod val="130000"/>
-              </a:schemeClr>
-            </a:gs>
-            <a:gs pos="100000">
-              <a:schemeClr val="phClr">
-                <a:tint val="50000"/>
-                <a:shade val="100000"/>
-                <a:satMod val="350000"/>
-              </a:schemeClr>
-            </a:gs>
-          </a:gsLst>
-          <a:lin ang="16200000" scaled="0"/>
-        </a:gradFill>
-      </a:fillStyleLst>
-      <a:lnStyleLst>
-        <a:ln w="9525" cap="flat" cmpd="sng" algn="ctr">
-          <a:solidFill>
-            <a:schemeClr val="phClr">
-              <a:shade val="95000"/>
-              <a:satMod val="105000"/>
-            </a:schemeClr>
-          </a:solidFill>
-          <a:prstDash val="solid"/>
-        </a:ln>
-        <a:ln w="25400" cap="flat" cmpd="sng" algn="ctr">
-          <a:solidFill>
-            <a:schemeClr val="phClr"/>
-          </a:solidFill>
-          <a:prstDash val="solid"/>
-        </a:ln>
-        <a:ln w="38100" cap="flat" cmpd="sng" algn="ctr">
-          <a:solidFill>
-            <a:schemeClr val="phClr"/>
-          </a:solidFill>
-          <a:prstDash val="solid"/>
-        </a:ln>
-      </a:lnStyleLst>
-      <a:effectStyleLst>
-        <a:effectStyle>
-          <a:effectLst>
-            <a:outerShdw blurRad="40000" dist="20000" dir="5400000" rotWithShape="0">
-              <a:srgbClr val="000000">
-                <a:alpha val="38000"/>
-              </a:srgbClr>
-            </a:outerShdw>
-          </a:effectLst>
-        </a:effectStyle>
-        <a:effectStyle>
-          <a:effectLst>
-            <a:outerShdw blurRad="40000" dist="23000" dir="5400000" rotWithShape="0">
-              <a:srgbClr val="000000">
-                <a:alpha val="35000"/>
-              </a:srgbClr>
-            </a:outerShdw>
-          </a:effectLst>
-        </a:effectStyle>
-        <a:effectStyle>
-          <a:effectLst>
-            <a:outerShdw blurRad="40000" dist="23000" dir="5400000" rotWithShape="0">
-              <a:srgbClr val="000000">
-                <a:alpha val="35000"/>
-              </a:srgbClr>
-            </a:outerShdw>
-          </a:effectLst>
-          <a:scene3d>
-            <a:camera prst="orthographicFront">
-              <a:rot lat="0" lon="0" rev="0"/>
-            </a:camera>
-            <a:lightRig rig="threePt" dir="t">
-              <a:rot lat="0" lon="0" rev="1200000"/>
-            </a:lightRig>
-          </a:scene3d>
-          <a:sp3d>
-            <a:bevelT w="63500" h="25400"/>
-          </a:sp3d>
-        </a:effectStyle>
-      </a:effectStyleLst>
-      <a:bgFillStyleLst>
-        <a:solidFill>
-          <a:schemeClr val="phClr"/>
-        </a:solidFill>
-        <a:gradFill rotWithShape="1">
-          <a:gsLst>
-            <a:gs pos="0">
-              <a:schemeClr val="phClr">
-                <a:tint val="40000"/>
-                <a:satMod val="350000"/>
-              </a:schemeClr>
-            </a:gs>
-            <a:gs pos="40000">
-              <a:schemeClr val="phClr">
-                <a:tint val="45000"/>
-                <a:shade val="99000"/>
-                <a:satMod val="350000"/>
-              </a:schemeClr>
-            </a:gs>
-            <a:gs pos="100000">
-              <a:schemeClr val="phClr">
-                <a:shade val="20000"/>
-                <a:satMod val="255000"/>
-              </a:schemeClr>
-            </a:gs>
-          </a:gsLst>
-          <a:path path="circle">
-            <a:fillToRect l="50000" t="-80000" r="50000" b="180000"/>
-          </a:path>
-        </a:gradFill>
-        <a:gradFill rotWithShape="1">
-          <a:gsLst>
-            <a:gs pos="0">
-              <a:schemeClr val="phClr">
-                <a:tint val="80000"/>
-                <a:satMod val="300000"/>
-              </a:schemeClr>
-            </a:gs>
-            <a:gs pos="100000">
-              <a:schemeClr val="phClr">
-                <a:shade val="30000"/>
-                <a:satMod val="200000"/>
-              </a:schemeClr>
-            </a:gs>
-          </a:gsLst>
-          <a:path path="circle">
-            <a:fillToRect l="50000" t="50000" r="50000" b="50000"/>
-          </a:path>
-        </a:gradFill>
-      </a:bgFillStyleLst>
-    </a:fmtScheme>
-  </a:themeElements>
-</a:theme>
 </file>